--- a/_documments/BRAPCI-VINHETA-ENTRADA.pptx
+++ b/_documments/BRAPCI-VINHETA-ENTRADA.pptx
@@ -9,6 +9,7 @@
     <p:sldId id="260" r:id="rId3"/>
     <p:sldId id="258" r:id="rId4"/>
     <p:sldId id="259" r:id="rId5"/>
+    <p:sldId id="261" r:id="rId6"/>
   </p:sldIdLst>
   <p:sldSz cx="12192000" cy="6858000"/>
   <p:notesSz cx="6858000" cy="9144000"/>
@@ -262,7 +263,7 @@
           <a:p>
             <a:fld id="{8D1C6FE6-862E-40CD-99A3-7ADB95B3A9D0}" type="datetimeFigureOut">
               <a:rPr lang="pt-BR" smtClean="0"/>
-              <a:t>25/11/2020</a:t>
+              <a:t>15/12/2020</a:t>
             </a:fld>
             <a:endParaRPr lang="pt-BR"/>
           </a:p>
@@ -460,7 +461,7 @@
           <a:p>
             <a:fld id="{8D1C6FE6-862E-40CD-99A3-7ADB95B3A9D0}" type="datetimeFigureOut">
               <a:rPr lang="pt-BR" smtClean="0"/>
-              <a:t>25/11/2020</a:t>
+              <a:t>15/12/2020</a:t>
             </a:fld>
             <a:endParaRPr lang="pt-BR"/>
           </a:p>
@@ -668,7 +669,7 @@
           <a:p>
             <a:fld id="{8D1C6FE6-862E-40CD-99A3-7ADB95B3A9D0}" type="datetimeFigureOut">
               <a:rPr lang="pt-BR" smtClean="0"/>
-              <a:t>25/11/2020</a:t>
+              <a:t>15/12/2020</a:t>
             </a:fld>
             <a:endParaRPr lang="pt-BR"/>
           </a:p>
@@ -866,7 +867,7 @@
           <a:p>
             <a:fld id="{8D1C6FE6-862E-40CD-99A3-7ADB95B3A9D0}" type="datetimeFigureOut">
               <a:rPr lang="pt-BR" smtClean="0"/>
-              <a:t>25/11/2020</a:t>
+              <a:t>15/12/2020</a:t>
             </a:fld>
             <a:endParaRPr lang="pt-BR"/>
           </a:p>
@@ -1141,7 +1142,7 @@
           <a:p>
             <a:fld id="{8D1C6FE6-862E-40CD-99A3-7ADB95B3A9D0}" type="datetimeFigureOut">
               <a:rPr lang="pt-BR" smtClean="0"/>
-              <a:t>25/11/2020</a:t>
+              <a:t>15/12/2020</a:t>
             </a:fld>
             <a:endParaRPr lang="pt-BR"/>
           </a:p>
@@ -1406,7 +1407,7 @@
           <a:p>
             <a:fld id="{8D1C6FE6-862E-40CD-99A3-7ADB95B3A9D0}" type="datetimeFigureOut">
               <a:rPr lang="pt-BR" smtClean="0"/>
-              <a:t>25/11/2020</a:t>
+              <a:t>15/12/2020</a:t>
             </a:fld>
             <a:endParaRPr lang="pt-BR"/>
           </a:p>
@@ -1818,7 +1819,7 @@
           <a:p>
             <a:fld id="{8D1C6FE6-862E-40CD-99A3-7ADB95B3A9D0}" type="datetimeFigureOut">
               <a:rPr lang="pt-BR" smtClean="0"/>
-              <a:t>25/11/2020</a:t>
+              <a:t>15/12/2020</a:t>
             </a:fld>
             <a:endParaRPr lang="pt-BR"/>
           </a:p>
@@ -1959,7 +1960,7 @@
           <a:p>
             <a:fld id="{8D1C6FE6-862E-40CD-99A3-7ADB95B3A9D0}" type="datetimeFigureOut">
               <a:rPr lang="pt-BR" smtClean="0"/>
-              <a:t>25/11/2020</a:t>
+              <a:t>15/12/2020</a:t>
             </a:fld>
             <a:endParaRPr lang="pt-BR"/>
           </a:p>
@@ -2072,7 +2073,7 @@
           <a:p>
             <a:fld id="{8D1C6FE6-862E-40CD-99A3-7ADB95B3A9D0}" type="datetimeFigureOut">
               <a:rPr lang="pt-BR" smtClean="0"/>
-              <a:t>25/11/2020</a:t>
+              <a:t>15/12/2020</a:t>
             </a:fld>
             <a:endParaRPr lang="pt-BR"/>
           </a:p>
@@ -2383,7 +2384,7 @@
           <a:p>
             <a:fld id="{8D1C6FE6-862E-40CD-99A3-7ADB95B3A9D0}" type="datetimeFigureOut">
               <a:rPr lang="pt-BR" smtClean="0"/>
-              <a:t>25/11/2020</a:t>
+              <a:t>15/12/2020</a:t>
             </a:fld>
             <a:endParaRPr lang="pt-BR"/>
           </a:p>
@@ -2671,7 +2672,7 @@
           <a:p>
             <a:fld id="{8D1C6FE6-862E-40CD-99A3-7ADB95B3A9D0}" type="datetimeFigureOut">
               <a:rPr lang="pt-BR" smtClean="0"/>
-              <a:t>25/11/2020</a:t>
+              <a:t>15/12/2020</a:t>
             </a:fld>
             <a:endParaRPr lang="pt-BR"/>
           </a:p>
@@ -2912,7 +2913,7 @@
           <a:p>
             <a:fld id="{8D1C6FE6-862E-40CD-99A3-7ADB95B3A9D0}" type="datetimeFigureOut">
               <a:rPr lang="pt-BR" smtClean="0"/>
-              <a:t>25/11/2020</a:t>
+              <a:t>15/12/2020</a:t>
             </a:fld>
             <a:endParaRPr lang="pt-BR"/>
           </a:p>
@@ -3389,11 +3390,11 @@
   <p:clrMapOvr>
     <a:masterClrMapping/>
   </p:clrMapOvr>
-  <mc:AlternateContent xmlns:mc="http://schemas.openxmlformats.org/markup-compatibility/2006">
-    <mc:Choice xmlns:p14="http://schemas.microsoft.com/office/powerpoint/2010/main" Requires="p14">
+  <mc:AlternateContent xmlns:mc="http://schemas.openxmlformats.org/markup-compatibility/2006" xmlns:p14="http://schemas.microsoft.com/office/powerpoint/2010/main">
+    <mc:Choice Requires="p14">
       <p:transition spd="slow" p14:dur="2000" advTm="1000"/>
     </mc:Choice>
-    <mc:Fallback>
+    <mc:Fallback xmlns="">
       <p:transition spd="slow" advTm="1000"/>
     </mc:Fallback>
   </mc:AlternateContent>
@@ -3481,7 +3482,7 @@
         </p:nvSpPr>
         <p:spPr>
           <a:xfrm>
-            <a:off x="3974842" y="3560781"/>
+            <a:off x="3889162" y="3585948"/>
             <a:ext cx="4293020" cy="369332"/>
           </a:xfrm>
           <a:prstGeom prst="rect">
@@ -3505,6 +3506,69 @@
                 <a:cs typeface="Segoe UI Light" panose="020B0502040204020203" pitchFamily="34" charset="0"/>
               </a:rPr>
               <a:t>Base de dados em Ciência da Informação</a:t>
+            </a:r>
+          </a:p>
+        </p:txBody>
+      </p:sp>
+      <p:sp>
+        <p:nvSpPr>
+          <p:cNvPr id="5" name="Título 1">
+            <a:extLst>
+              <a:ext uri="{FF2B5EF4-FFF2-40B4-BE49-F238E27FC236}">
+                <a16:creationId xmlns:a16="http://schemas.microsoft.com/office/drawing/2014/main" id="{D7CB1B21-318F-4695-9C39-0F505BEA8E98}"/>
+              </a:ext>
+            </a:extLst>
+          </p:cNvPr>
+          <p:cNvSpPr txBox="1">
+            <a:spLocks/>
+          </p:cNvSpPr>
+          <p:nvPr/>
+        </p:nvSpPr>
+        <p:spPr>
+          <a:xfrm>
+            <a:off x="2998095" y="1232536"/>
+            <a:ext cx="6028459" cy="889880"/>
+          </a:xfrm>
+          <a:prstGeom prst="rect">
+            <a:avLst/>
+          </a:prstGeom>
+        </p:spPr>
+        <p:txBody>
+          <a:bodyPr vert="horz" lIns="91440" tIns="45720" rIns="91440" bIns="45720" rtlCol="0" anchor="ctr">
+            <a:normAutofit fontScale="70000" lnSpcReduction="20000"/>
+          </a:bodyPr>
+          <a:lstStyle>
+            <a:lvl1pPr algn="l" defTabSz="914400" rtl="0" eaLnBrk="1" latinLnBrk="0" hangingPunct="1">
+              <a:lnSpc>
+                <a:spcPct val="90000"/>
+              </a:lnSpc>
+              <a:spcBef>
+                <a:spcPct val="0"/>
+              </a:spcBef>
+              <a:buNone/>
+              <a:defRPr sz="4400" kern="1200">
+                <a:solidFill>
+                  <a:schemeClr val="tx1"/>
+                </a:solidFill>
+                <a:latin typeface="+mj-lt"/>
+                <a:ea typeface="+mj-ea"/>
+                <a:cs typeface="+mj-cs"/>
+              </a:defRPr>
+            </a:lvl1pPr>
+          </a:lstStyle>
+          <a:p>
+            <a:pPr algn="ctr"/>
+            <a:r>
+              <a:rPr lang="pt-BR" sz="8800" dirty="0">
+                <a:solidFill>
+                  <a:schemeClr val="accent5">
+                    <a:lumMod val="75000"/>
+                  </a:schemeClr>
+                </a:solidFill>
+                <a:latin typeface="Arial Rounded MT Bold" panose="020F0704030504030204" pitchFamily="34" charset="0"/>
+                <a:cs typeface="Arial" panose="020B0604020202020204" pitchFamily="34" charset="0"/>
+              </a:rPr>
+              <a:t>em atualização</a:t>
             </a:r>
           </a:p>
         </p:txBody>
@@ -3519,13 +3583,13 @@
   <p:clrMapOvr>
     <a:masterClrMapping/>
   </p:clrMapOvr>
-  <mc:AlternateContent xmlns:mc="http://schemas.openxmlformats.org/markup-compatibility/2006">
-    <mc:Choice xmlns:p15="http://schemas.microsoft.com/office/powerpoint/2012/main" Requires="p15">
+  <mc:AlternateContent xmlns:mc="http://schemas.openxmlformats.org/markup-compatibility/2006" xmlns:p15="http://schemas.microsoft.com/office/powerpoint/2012/main">
+    <mc:Choice Requires="p15">
       <p:transition xmlns:p14="http://schemas.microsoft.com/office/powerpoint/2010/main" spd="slow" p14:dur="5000" advTm="3000">
         <p15:prstTrans prst="origami"/>
       </p:transition>
     </mc:Choice>
-    <mc:Fallback>
+    <mc:Fallback xmlns="">
       <p:transition spd="slow" advTm="3000">
         <p:fade/>
       </p:transition>
@@ -3714,13 +3778,13 @@
   <p:clrMapOvr>
     <a:masterClrMapping/>
   </p:clrMapOvr>
-  <mc:AlternateContent xmlns:mc="http://schemas.openxmlformats.org/markup-compatibility/2006">
-    <mc:Choice xmlns:p14="http://schemas.microsoft.com/office/powerpoint/2010/main" Requires="p14">
+  <mc:AlternateContent xmlns:mc="http://schemas.openxmlformats.org/markup-compatibility/2006" xmlns:p14="http://schemas.microsoft.com/office/powerpoint/2010/main">
+    <mc:Choice Requires="p14">
       <p:transition spd="slow" p14:dur="4000" advTm="5000">
         <p14:vortex dir="r"/>
       </p:transition>
     </mc:Choice>
-    <mc:Fallback>
+    <mc:Fallback xmlns="">
       <p:transition spd="slow" advTm="5000">
         <p:fade/>
       </p:transition>
@@ -3764,18 +3828,2067 @@
   <p:clrMapOvr>
     <a:masterClrMapping/>
   </p:clrMapOvr>
-  <mc:AlternateContent xmlns:mc="http://schemas.openxmlformats.org/markup-compatibility/2006">
-    <mc:Choice xmlns:p14="http://schemas.microsoft.com/office/powerpoint/2010/main" Requires="p14">
+  <mc:AlternateContent xmlns:mc="http://schemas.openxmlformats.org/markup-compatibility/2006" xmlns:p14="http://schemas.microsoft.com/office/powerpoint/2010/main">
+    <mc:Choice Requires="p14">
       <p:transition spd="med" p14:dur="700">
         <p:fade/>
       </p:transition>
     </mc:Choice>
-    <mc:Fallback>
+    <mc:Fallback xmlns="">
       <p:transition spd="med">
         <p:fade/>
       </p:transition>
     </mc:Fallback>
   </mc:AlternateContent>
+</p:sld>
+</file>
+
+<file path=ppt/slides/slide5.xml><?xml version="1.0" encoding="utf-8"?>
+<p:sld xmlns:a="http://schemas.openxmlformats.org/drawingml/2006/main" xmlns:r="http://schemas.openxmlformats.org/officeDocument/2006/relationships" xmlns:p="http://schemas.openxmlformats.org/presentationml/2006/main">
+  <p:cSld>
+    <p:spTree>
+      <p:nvGrpSpPr>
+        <p:cNvPr id="1" name=""/>
+        <p:cNvGrpSpPr/>
+        <p:nvPr/>
+      </p:nvGrpSpPr>
+      <p:grpSpPr>
+        <a:xfrm>
+          <a:off x="0" y="0"/>
+          <a:ext cx="0" cy="0"/>
+          <a:chOff x="0" y="0"/>
+          <a:chExt cx="0" cy="0"/>
+        </a:xfrm>
+      </p:grpSpPr>
+      <p:sp>
+        <p:nvSpPr>
+          <p:cNvPr id="4" name="Elipse 3">
+            <a:extLst>
+              <a:ext uri="{FF2B5EF4-FFF2-40B4-BE49-F238E27FC236}">
+                <a16:creationId xmlns:a16="http://schemas.microsoft.com/office/drawing/2014/main" id="{FDCFCB05-D65B-4D88-96A2-37291BBB69A8}"/>
+              </a:ext>
+            </a:extLst>
+          </p:cNvPr>
+          <p:cNvSpPr/>
+          <p:nvPr/>
+        </p:nvSpPr>
+        <p:spPr>
+          <a:xfrm>
+            <a:off x="1786855" y="494950"/>
+            <a:ext cx="427839" cy="427839"/>
+          </a:xfrm>
+          <a:prstGeom prst="ellipse">
+            <a:avLst/>
+          </a:prstGeom>
+        </p:spPr>
+        <p:style>
+          <a:lnRef idx="2">
+            <a:schemeClr val="accent1">
+              <a:shade val="50000"/>
+            </a:schemeClr>
+          </a:lnRef>
+          <a:fillRef idx="1">
+            <a:schemeClr val="accent1"/>
+          </a:fillRef>
+          <a:effectRef idx="0">
+            <a:schemeClr val="accent1"/>
+          </a:effectRef>
+          <a:fontRef idx="minor">
+            <a:schemeClr val="lt1"/>
+          </a:fontRef>
+        </p:style>
+        <p:txBody>
+          <a:bodyPr rtlCol="0" anchor="ctr"/>
+          <a:lstStyle/>
+          <a:p>
+            <a:pPr algn="ctr"/>
+            <a:r>
+              <a:rPr lang="pt-BR" dirty="0"/>
+              <a:t>1</a:t>
+            </a:r>
+          </a:p>
+        </p:txBody>
+      </p:sp>
+      <p:sp>
+        <p:nvSpPr>
+          <p:cNvPr id="5" name="CaixaDeTexto 4">
+            <a:extLst>
+              <a:ext uri="{FF2B5EF4-FFF2-40B4-BE49-F238E27FC236}">
+                <a16:creationId xmlns:a16="http://schemas.microsoft.com/office/drawing/2014/main" id="{11CF4C1C-E147-43C2-9E1E-3A37425A27F5}"/>
+              </a:ext>
+            </a:extLst>
+          </p:cNvPr>
+          <p:cNvSpPr txBox="1"/>
+          <p:nvPr/>
+        </p:nvSpPr>
+        <p:spPr>
+          <a:xfrm>
+            <a:off x="1502079" y="187173"/>
+            <a:ext cx="997389" cy="307777"/>
+          </a:xfrm>
+          <a:prstGeom prst="rect">
+            <a:avLst/>
+          </a:prstGeom>
+          <a:noFill/>
+        </p:spPr>
+        <p:txBody>
+          <a:bodyPr wrap="none" rtlCol="0">
+            <a:spAutoFit/>
+          </a:bodyPr>
+          <a:lstStyle/>
+          <a:p>
+            <a:r>
+              <a:rPr lang="pt-BR" sz="1400" dirty="0">
+                <a:latin typeface="Handel Gothic" pitchFamily="50" charset="0"/>
+              </a:rPr>
+              <a:t>sensores</a:t>
+            </a:r>
+          </a:p>
+        </p:txBody>
+      </p:sp>
+      <p:sp>
+        <p:nvSpPr>
+          <p:cNvPr id="6" name="Elipse 5">
+            <a:extLst>
+              <a:ext uri="{FF2B5EF4-FFF2-40B4-BE49-F238E27FC236}">
+                <a16:creationId xmlns:a16="http://schemas.microsoft.com/office/drawing/2014/main" id="{B3D8A21B-691D-472A-8C98-F71BB610F520}"/>
+              </a:ext>
+            </a:extLst>
+          </p:cNvPr>
+          <p:cNvSpPr/>
+          <p:nvPr/>
+        </p:nvSpPr>
+        <p:spPr>
+          <a:xfrm>
+            <a:off x="1786855" y="1016646"/>
+            <a:ext cx="427839" cy="427839"/>
+          </a:xfrm>
+          <a:prstGeom prst="ellipse">
+            <a:avLst/>
+          </a:prstGeom>
+        </p:spPr>
+        <p:style>
+          <a:lnRef idx="2">
+            <a:schemeClr val="accent1">
+              <a:shade val="50000"/>
+            </a:schemeClr>
+          </a:lnRef>
+          <a:fillRef idx="1">
+            <a:schemeClr val="accent1"/>
+          </a:fillRef>
+          <a:effectRef idx="0">
+            <a:schemeClr val="accent1"/>
+          </a:effectRef>
+          <a:fontRef idx="minor">
+            <a:schemeClr val="lt1"/>
+          </a:fontRef>
+        </p:style>
+        <p:txBody>
+          <a:bodyPr rtlCol="0" anchor="ctr"/>
+          <a:lstStyle/>
+          <a:p>
+            <a:pPr algn="ctr"/>
+            <a:r>
+              <a:rPr lang="pt-BR" dirty="0"/>
+              <a:t>2</a:t>
+            </a:r>
+          </a:p>
+        </p:txBody>
+      </p:sp>
+      <p:sp>
+        <p:nvSpPr>
+          <p:cNvPr id="7" name="Elipse 6">
+            <a:extLst>
+              <a:ext uri="{FF2B5EF4-FFF2-40B4-BE49-F238E27FC236}">
+                <a16:creationId xmlns:a16="http://schemas.microsoft.com/office/drawing/2014/main" id="{4065F1E1-F43C-41FD-8316-11B21F97BF78}"/>
+              </a:ext>
+            </a:extLst>
+          </p:cNvPr>
+          <p:cNvSpPr/>
+          <p:nvPr/>
+        </p:nvSpPr>
+        <p:spPr>
+          <a:xfrm>
+            <a:off x="1786855" y="1555120"/>
+            <a:ext cx="427839" cy="427839"/>
+          </a:xfrm>
+          <a:prstGeom prst="ellipse">
+            <a:avLst/>
+          </a:prstGeom>
+        </p:spPr>
+        <p:style>
+          <a:lnRef idx="2">
+            <a:schemeClr val="accent1">
+              <a:shade val="50000"/>
+            </a:schemeClr>
+          </a:lnRef>
+          <a:fillRef idx="1">
+            <a:schemeClr val="accent1"/>
+          </a:fillRef>
+          <a:effectRef idx="0">
+            <a:schemeClr val="accent1"/>
+          </a:effectRef>
+          <a:fontRef idx="minor">
+            <a:schemeClr val="lt1"/>
+          </a:fontRef>
+        </p:style>
+        <p:txBody>
+          <a:bodyPr rtlCol="0" anchor="ctr"/>
+          <a:lstStyle/>
+          <a:p>
+            <a:pPr algn="ctr"/>
+            <a:r>
+              <a:rPr lang="pt-BR" dirty="0"/>
+              <a:t>3</a:t>
+            </a:r>
+          </a:p>
+        </p:txBody>
+      </p:sp>
+      <p:sp>
+        <p:nvSpPr>
+          <p:cNvPr id="8" name="Elipse 7">
+            <a:extLst>
+              <a:ext uri="{FF2B5EF4-FFF2-40B4-BE49-F238E27FC236}">
+                <a16:creationId xmlns:a16="http://schemas.microsoft.com/office/drawing/2014/main" id="{1DAA0C61-84FD-46F9-814A-4951B9091494}"/>
+              </a:ext>
+            </a:extLst>
+          </p:cNvPr>
+          <p:cNvSpPr/>
+          <p:nvPr/>
+        </p:nvSpPr>
+        <p:spPr>
+          <a:xfrm>
+            <a:off x="1786855" y="2093594"/>
+            <a:ext cx="427839" cy="427839"/>
+          </a:xfrm>
+          <a:prstGeom prst="ellipse">
+            <a:avLst/>
+          </a:prstGeom>
+        </p:spPr>
+        <p:style>
+          <a:lnRef idx="2">
+            <a:schemeClr val="accent1">
+              <a:shade val="50000"/>
+            </a:schemeClr>
+          </a:lnRef>
+          <a:fillRef idx="1">
+            <a:schemeClr val="accent1"/>
+          </a:fillRef>
+          <a:effectRef idx="0">
+            <a:schemeClr val="accent1"/>
+          </a:effectRef>
+          <a:fontRef idx="minor">
+            <a:schemeClr val="lt1"/>
+          </a:fontRef>
+        </p:style>
+        <p:txBody>
+          <a:bodyPr rtlCol="0" anchor="ctr"/>
+          <a:lstStyle/>
+          <a:p>
+            <a:pPr algn="ctr"/>
+            <a:r>
+              <a:rPr lang="pt-BR" dirty="0"/>
+              <a:t>4</a:t>
+            </a:r>
+          </a:p>
+        </p:txBody>
+      </p:sp>
+      <p:sp>
+        <p:nvSpPr>
+          <p:cNvPr id="9" name="Elipse 8">
+            <a:extLst>
+              <a:ext uri="{FF2B5EF4-FFF2-40B4-BE49-F238E27FC236}">
+                <a16:creationId xmlns:a16="http://schemas.microsoft.com/office/drawing/2014/main" id="{F531A55A-95CC-48CD-A201-2F9DFC1EB84C}"/>
+              </a:ext>
+            </a:extLst>
+          </p:cNvPr>
+          <p:cNvSpPr/>
+          <p:nvPr/>
+        </p:nvSpPr>
+        <p:spPr>
+          <a:xfrm>
+            <a:off x="1786853" y="2632068"/>
+            <a:ext cx="427839" cy="427839"/>
+          </a:xfrm>
+          <a:prstGeom prst="ellipse">
+            <a:avLst/>
+          </a:prstGeom>
+        </p:spPr>
+        <p:style>
+          <a:lnRef idx="2">
+            <a:schemeClr val="accent1">
+              <a:shade val="50000"/>
+            </a:schemeClr>
+          </a:lnRef>
+          <a:fillRef idx="1">
+            <a:schemeClr val="accent1"/>
+          </a:fillRef>
+          <a:effectRef idx="0">
+            <a:schemeClr val="accent1"/>
+          </a:effectRef>
+          <a:fontRef idx="minor">
+            <a:schemeClr val="lt1"/>
+          </a:fontRef>
+        </p:style>
+        <p:txBody>
+          <a:bodyPr rtlCol="0" anchor="ctr"/>
+          <a:lstStyle/>
+          <a:p>
+            <a:pPr algn="ctr"/>
+            <a:r>
+              <a:rPr lang="pt-BR" dirty="0"/>
+              <a:t>5</a:t>
+            </a:r>
+          </a:p>
+        </p:txBody>
+      </p:sp>
+      <p:sp>
+        <p:nvSpPr>
+          <p:cNvPr id="10" name="Elipse 9">
+            <a:extLst>
+              <a:ext uri="{FF2B5EF4-FFF2-40B4-BE49-F238E27FC236}">
+                <a16:creationId xmlns:a16="http://schemas.microsoft.com/office/drawing/2014/main" id="{22D17DB8-C856-4780-8E24-C7435F333373}"/>
+              </a:ext>
+            </a:extLst>
+          </p:cNvPr>
+          <p:cNvSpPr/>
+          <p:nvPr/>
+        </p:nvSpPr>
+        <p:spPr>
+          <a:xfrm>
+            <a:off x="1786852" y="3153764"/>
+            <a:ext cx="427839" cy="427839"/>
+          </a:xfrm>
+          <a:prstGeom prst="ellipse">
+            <a:avLst/>
+          </a:prstGeom>
+        </p:spPr>
+        <p:style>
+          <a:lnRef idx="2">
+            <a:schemeClr val="accent1">
+              <a:shade val="50000"/>
+            </a:schemeClr>
+          </a:lnRef>
+          <a:fillRef idx="1">
+            <a:schemeClr val="accent1"/>
+          </a:fillRef>
+          <a:effectRef idx="0">
+            <a:schemeClr val="accent1"/>
+          </a:effectRef>
+          <a:fontRef idx="minor">
+            <a:schemeClr val="lt1"/>
+          </a:fontRef>
+        </p:style>
+        <p:txBody>
+          <a:bodyPr rtlCol="0" anchor="ctr"/>
+          <a:lstStyle/>
+          <a:p>
+            <a:pPr algn="ctr"/>
+            <a:r>
+              <a:rPr lang="pt-BR" dirty="0"/>
+              <a:t>6</a:t>
+            </a:r>
+          </a:p>
+        </p:txBody>
+      </p:sp>
+      <p:sp>
+        <p:nvSpPr>
+          <p:cNvPr id="11" name="Elipse 10">
+            <a:extLst>
+              <a:ext uri="{FF2B5EF4-FFF2-40B4-BE49-F238E27FC236}">
+                <a16:creationId xmlns:a16="http://schemas.microsoft.com/office/drawing/2014/main" id="{DD00F530-A40C-456E-8A09-93AA84F297DC}"/>
+              </a:ext>
+            </a:extLst>
+          </p:cNvPr>
+          <p:cNvSpPr/>
+          <p:nvPr/>
+        </p:nvSpPr>
+        <p:spPr>
+          <a:xfrm>
+            <a:off x="1786852" y="3676249"/>
+            <a:ext cx="427839" cy="427839"/>
+          </a:xfrm>
+          <a:prstGeom prst="ellipse">
+            <a:avLst/>
+          </a:prstGeom>
+        </p:spPr>
+        <p:style>
+          <a:lnRef idx="2">
+            <a:schemeClr val="accent1">
+              <a:shade val="50000"/>
+            </a:schemeClr>
+          </a:lnRef>
+          <a:fillRef idx="1">
+            <a:schemeClr val="accent1"/>
+          </a:fillRef>
+          <a:effectRef idx="0">
+            <a:schemeClr val="accent1"/>
+          </a:effectRef>
+          <a:fontRef idx="minor">
+            <a:schemeClr val="lt1"/>
+          </a:fontRef>
+        </p:style>
+        <p:txBody>
+          <a:bodyPr rtlCol="0" anchor="ctr"/>
+          <a:lstStyle/>
+          <a:p>
+            <a:pPr algn="ctr"/>
+            <a:r>
+              <a:rPr lang="pt-BR" dirty="0"/>
+              <a:t>7</a:t>
+            </a:r>
+          </a:p>
+        </p:txBody>
+      </p:sp>
+      <p:sp>
+        <p:nvSpPr>
+          <p:cNvPr id="12" name="Elipse 11">
+            <a:extLst>
+              <a:ext uri="{FF2B5EF4-FFF2-40B4-BE49-F238E27FC236}">
+                <a16:creationId xmlns:a16="http://schemas.microsoft.com/office/drawing/2014/main" id="{A0035698-81B1-411F-91AC-AFC810A7D75F}"/>
+              </a:ext>
+            </a:extLst>
+          </p:cNvPr>
+          <p:cNvSpPr/>
+          <p:nvPr/>
+        </p:nvSpPr>
+        <p:spPr>
+          <a:xfrm>
+            <a:off x="1786852" y="4213934"/>
+            <a:ext cx="427839" cy="427839"/>
+          </a:xfrm>
+          <a:prstGeom prst="ellipse">
+            <a:avLst/>
+          </a:prstGeom>
+        </p:spPr>
+        <p:style>
+          <a:lnRef idx="2">
+            <a:schemeClr val="accent1">
+              <a:shade val="50000"/>
+            </a:schemeClr>
+          </a:lnRef>
+          <a:fillRef idx="1">
+            <a:schemeClr val="accent1"/>
+          </a:fillRef>
+          <a:effectRef idx="0">
+            <a:schemeClr val="accent1"/>
+          </a:effectRef>
+          <a:fontRef idx="minor">
+            <a:schemeClr val="lt1"/>
+          </a:fontRef>
+        </p:style>
+        <p:txBody>
+          <a:bodyPr rtlCol="0" anchor="ctr"/>
+          <a:lstStyle/>
+          <a:p>
+            <a:pPr algn="ctr"/>
+            <a:r>
+              <a:rPr lang="pt-BR" dirty="0"/>
+              <a:t>8</a:t>
+            </a:r>
+          </a:p>
+        </p:txBody>
+      </p:sp>
+      <p:sp>
+        <p:nvSpPr>
+          <p:cNvPr id="13" name="Elipse 12">
+            <a:extLst>
+              <a:ext uri="{FF2B5EF4-FFF2-40B4-BE49-F238E27FC236}">
+                <a16:creationId xmlns:a16="http://schemas.microsoft.com/office/drawing/2014/main" id="{B8D490E6-E632-4D00-A36B-D9BDA64133DD}"/>
+              </a:ext>
+            </a:extLst>
+          </p:cNvPr>
+          <p:cNvSpPr/>
+          <p:nvPr/>
+        </p:nvSpPr>
+        <p:spPr>
+          <a:xfrm>
+            <a:off x="1786852" y="4749791"/>
+            <a:ext cx="427839" cy="427839"/>
+          </a:xfrm>
+          <a:prstGeom prst="ellipse">
+            <a:avLst/>
+          </a:prstGeom>
+        </p:spPr>
+        <p:style>
+          <a:lnRef idx="2">
+            <a:schemeClr val="accent1">
+              <a:shade val="50000"/>
+            </a:schemeClr>
+          </a:lnRef>
+          <a:fillRef idx="1">
+            <a:schemeClr val="accent1"/>
+          </a:fillRef>
+          <a:effectRef idx="0">
+            <a:schemeClr val="accent1"/>
+          </a:effectRef>
+          <a:fontRef idx="minor">
+            <a:schemeClr val="lt1"/>
+          </a:fontRef>
+        </p:style>
+        <p:txBody>
+          <a:bodyPr rtlCol="0" anchor="ctr"/>
+          <a:lstStyle/>
+          <a:p>
+            <a:pPr algn="ctr"/>
+            <a:r>
+              <a:rPr lang="pt-BR" dirty="0"/>
+              <a:t>9</a:t>
+            </a:r>
+          </a:p>
+        </p:txBody>
+      </p:sp>
+      <p:sp>
+        <p:nvSpPr>
+          <p:cNvPr id="15" name="Elipse 14">
+            <a:extLst>
+              <a:ext uri="{FF2B5EF4-FFF2-40B4-BE49-F238E27FC236}">
+                <a16:creationId xmlns:a16="http://schemas.microsoft.com/office/drawing/2014/main" id="{9EFB75F7-A24D-4B14-B8AD-8DC0359180E0}"/>
+              </a:ext>
+            </a:extLst>
+          </p:cNvPr>
+          <p:cNvSpPr/>
+          <p:nvPr/>
+        </p:nvSpPr>
+        <p:spPr>
+          <a:xfrm>
+            <a:off x="3944223" y="1545942"/>
+            <a:ext cx="427839" cy="427839"/>
+          </a:xfrm>
+          <a:prstGeom prst="ellipse">
+            <a:avLst/>
+          </a:prstGeom>
+        </p:spPr>
+        <p:style>
+          <a:lnRef idx="2">
+            <a:schemeClr val="accent1">
+              <a:shade val="50000"/>
+            </a:schemeClr>
+          </a:lnRef>
+          <a:fillRef idx="1">
+            <a:schemeClr val="accent1"/>
+          </a:fillRef>
+          <a:effectRef idx="0">
+            <a:schemeClr val="accent1"/>
+          </a:effectRef>
+          <a:fontRef idx="minor">
+            <a:schemeClr val="lt1"/>
+          </a:fontRef>
+        </p:style>
+        <p:txBody>
+          <a:bodyPr rtlCol="0" anchor="ctr"/>
+          <a:lstStyle/>
+          <a:p>
+            <a:pPr algn="ctr"/>
+            <a:r>
+              <a:rPr lang="pt-BR" dirty="0"/>
+              <a:t>A</a:t>
+            </a:r>
+          </a:p>
+        </p:txBody>
+      </p:sp>
+      <p:sp>
+        <p:nvSpPr>
+          <p:cNvPr id="16" name="Elipse 15">
+            <a:extLst>
+              <a:ext uri="{FF2B5EF4-FFF2-40B4-BE49-F238E27FC236}">
+                <a16:creationId xmlns:a16="http://schemas.microsoft.com/office/drawing/2014/main" id="{A7361FB1-9ECA-43D7-9F8B-D7DBD95ED035}"/>
+              </a:ext>
+            </a:extLst>
+          </p:cNvPr>
+          <p:cNvSpPr/>
+          <p:nvPr/>
+        </p:nvSpPr>
+        <p:spPr>
+          <a:xfrm>
+            <a:off x="3944222" y="3564036"/>
+            <a:ext cx="427839" cy="427839"/>
+          </a:xfrm>
+          <a:prstGeom prst="ellipse">
+            <a:avLst/>
+          </a:prstGeom>
+        </p:spPr>
+        <p:style>
+          <a:lnRef idx="2">
+            <a:schemeClr val="accent1">
+              <a:shade val="50000"/>
+            </a:schemeClr>
+          </a:lnRef>
+          <a:fillRef idx="1">
+            <a:schemeClr val="accent1"/>
+          </a:fillRef>
+          <a:effectRef idx="0">
+            <a:schemeClr val="accent1"/>
+          </a:effectRef>
+          <a:fontRef idx="minor">
+            <a:schemeClr val="lt1"/>
+          </a:fontRef>
+        </p:style>
+        <p:txBody>
+          <a:bodyPr rtlCol="0" anchor="ctr"/>
+          <a:lstStyle/>
+          <a:p>
+            <a:pPr algn="ctr"/>
+            <a:r>
+              <a:rPr lang="pt-BR" dirty="0"/>
+              <a:t>C</a:t>
+            </a:r>
+          </a:p>
+        </p:txBody>
+      </p:sp>
+      <p:sp>
+        <p:nvSpPr>
+          <p:cNvPr id="17" name="Elipse 16">
+            <a:extLst>
+              <a:ext uri="{FF2B5EF4-FFF2-40B4-BE49-F238E27FC236}">
+                <a16:creationId xmlns:a16="http://schemas.microsoft.com/office/drawing/2014/main" id="{2AB7947A-71A4-4059-8CA0-C91571614532}"/>
+              </a:ext>
+            </a:extLst>
+          </p:cNvPr>
+          <p:cNvSpPr/>
+          <p:nvPr/>
+        </p:nvSpPr>
+        <p:spPr>
+          <a:xfrm>
+            <a:off x="3944221" y="2632066"/>
+            <a:ext cx="427839" cy="427839"/>
+          </a:xfrm>
+          <a:prstGeom prst="ellipse">
+            <a:avLst/>
+          </a:prstGeom>
+        </p:spPr>
+        <p:style>
+          <a:lnRef idx="2">
+            <a:schemeClr val="accent1">
+              <a:shade val="50000"/>
+            </a:schemeClr>
+          </a:lnRef>
+          <a:fillRef idx="1">
+            <a:schemeClr val="accent1"/>
+          </a:fillRef>
+          <a:effectRef idx="0">
+            <a:schemeClr val="accent1"/>
+          </a:effectRef>
+          <a:fontRef idx="minor">
+            <a:schemeClr val="lt1"/>
+          </a:fontRef>
+        </p:style>
+        <p:txBody>
+          <a:bodyPr rtlCol="0" anchor="ctr"/>
+          <a:lstStyle/>
+          <a:p>
+            <a:pPr algn="ctr"/>
+            <a:r>
+              <a:rPr lang="pt-BR" dirty="0"/>
+              <a:t>B</a:t>
+            </a:r>
+          </a:p>
+        </p:txBody>
+      </p:sp>
+      <p:sp>
+        <p:nvSpPr>
+          <p:cNvPr id="18" name="Elipse 17">
+            <a:extLst>
+              <a:ext uri="{FF2B5EF4-FFF2-40B4-BE49-F238E27FC236}">
+                <a16:creationId xmlns:a16="http://schemas.microsoft.com/office/drawing/2014/main" id="{D0E17549-16B5-4602-82D4-0F511143A6CA}"/>
+              </a:ext>
+            </a:extLst>
+          </p:cNvPr>
+          <p:cNvSpPr/>
+          <p:nvPr/>
+        </p:nvSpPr>
+        <p:spPr>
+          <a:xfrm>
+            <a:off x="5668161" y="2632067"/>
+            <a:ext cx="427839" cy="427839"/>
+          </a:xfrm>
+          <a:prstGeom prst="ellipse">
+            <a:avLst/>
+          </a:prstGeom>
+        </p:spPr>
+        <p:style>
+          <a:lnRef idx="2">
+            <a:schemeClr val="accent1">
+              <a:shade val="50000"/>
+            </a:schemeClr>
+          </a:lnRef>
+          <a:fillRef idx="1">
+            <a:schemeClr val="accent1"/>
+          </a:fillRef>
+          <a:effectRef idx="0">
+            <a:schemeClr val="accent1"/>
+          </a:effectRef>
+          <a:fontRef idx="minor">
+            <a:schemeClr val="lt1"/>
+          </a:fontRef>
+        </p:style>
+        <p:txBody>
+          <a:bodyPr rtlCol="0" anchor="ctr"/>
+          <a:lstStyle/>
+          <a:p>
+            <a:pPr algn="ctr"/>
+            <a:r>
+              <a:rPr lang="pt-BR" dirty="0"/>
+              <a:t>R</a:t>
+            </a:r>
+          </a:p>
+        </p:txBody>
+      </p:sp>
+      <p:cxnSp>
+        <p:nvCxnSpPr>
+          <p:cNvPr id="20" name="Conector de Seta Reta 19">
+            <a:extLst>
+              <a:ext uri="{FF2B5EF4-FFF2-40B4-BE49-F238E27FC236}">
+                <a16:creationId xmlns:a16="http://schemas.microsoft.com/office/drawing/2014/main" id="{43D317F4-962E-4A5A-9FF5-5F9E13821B28}"/>
+              </a:ext>
+            </a:extLst>
+          </p:cNvPr>
+          <p:cNvCxnSpPr>
+            <a:cxnSpLocks/>
+            <a:stCxn id="4" idx="6"/>
+            <a:endCxn id="15" idx="2"/>
+          </p:cNvCxnSpPr>
+          <p:nvPr/>
+        </p:nvCxnSpPr>
+        <p:spPr>
+          <a:xfrm>
+            <a:off x="2214694" y="708870"/>
+            <a:ext cx="1729529" cy="1050992"/>
+          </a:xfrm>
+          <a:prstGeom prst="straightConnector1">
+            <a:avLst/>
+          </a:prstGeom>
+          <a:ln>
+            <a:tailEnd type="triangle"/>
+          </a:ln>
+        </p:spPr>
+        <p:style>
+          <a:lnRef idx="1">
+            <a:schemeClr val="accent1"/>
+          </a:lnRef>
+          <a:fillRef idx="0">
+            <a:schemeClr val="accent1"/>
+          </a:fillRef>
+          <a:effectRef idx="0">
+            <a:schemeClr val="accent1"/>
+          </a:effectRef>
+          <a:fontRef idx="minor">
+            <a:schemeClr val="tx1"/>
+          </a:fontRef>
+        </p:style>
+      </p:cxnSp>
+      <p:cxnSp>
+        <p:nvCxnSpPr>
+          <p:cNvPr id="23" name="Conector de Seta Reta 22">
+            <a:extLst>
+              <a:ext uri="{FF2B5EF4-FFF2-40B4-BE49-F238E27FC236}">
+                <a16:creationId xmlns:a16="http://schemas.microsoft.com/office/drawing/2014/main" id="{3F7483E8-2B3B-44EE-8173-D02B2BC968D4}"/>
+              </a:ext>
+            </a:extLst>
+          </p:cNvPr>
+          <p:cNvCxnSpPr>
+            <a:cxnSpLocks/>
+            <a:stCxn id="6" idx="6"/>
+            <a:endCxn id="15" idx="2"/>
+          </p:cNvCxnSpPr>
+          <p:nvPr/>
+        </p:nvCxnSpPr>
+        <p:spPr>
+          <a:xfrm>
+            <a:off x="2214694" y="1230566"/>
+            <a:ext cx="1729529" cy="529296"/>
+          </a:xfrm>
+          <a:prstGeom prst="straightConnector1">
+            <a:avLst/>
+          </a:prstGeom>
+          <a:ln>
+            <a:tailEnd type="triangle"/>
+          </a:ln>
+        </p:spPr>
+        <p:style>
+          <a:lnRef idx="1">
+            <a:schemeClr val="accent1"/>
+          </a:lnRef>
+          <a:fillRef idx="0">
+            <a:schemeClr val="accent1"/>
+          </a:fillRef>
+          <a:effectRef idx="0">
+            <a:schemeClr val="accent1"/>
+          </a:effectRef>
+          <a:fontRef idx="minor">
+            <a:schemeClr val="tx1"/>
+          </a:fontRef>
+        </p:style>
+      </p:cxnSp>
+      <p:cxnSp>
+        <p:nvCxnSpPr>
+          <p:cNvPr id="24" name="Conector de Seta Reta 23">
+            <a:extLst>
+              <a:ext uri="{FF2B5EF4-FFF2-40B4-BE49-F238E27FC236}">
+                <a16:creationId xmlns:a16="http://schemas.microsoft.com/office/drawing/2014/main" id="{B8AC4797-E888-4E6D-8392-F48FB1AF39FB}"/>
+              </a:ext>
+            </a:extLst>
+          </p:cNvPr>
+          <p:cNvCxnSpPr>
+            <a:cxnSpLocks/>
+            <a:stCxn id="9" idx="6"/>
+            <a:endCxn id="15" idx="2"/>
+          </p:cNvCxnSpPr>
+          <p:nvPr/>
+        </p:nvCxnSpPr>
+        <p:spPr>
+          <a:xfrm flipV="1">
+            <a:off x="2214692" y="1759862"/>
+            <a:ext cx="1729531" cy="1086126"/>
+          </a:xfrm>
+          <a:prstGeom prst="straightConnector1">
+            <a:avLst/>
+          </a:prstGeom>
+          <a:ln>
+            <a:tailEnd type="triangle"/>
+          </a:ln>
+        </p:spPr>
+        <p:style>
+          <a:lnRef idx="1">
+            <a:schemeClr val="accent1"/>
+          </a:lnRef>
+          <a:fillRef idx="0">
+            <a:schemeClr val="accent1"/>
+          </a:fillRef>
+          <a:effectRef idx="0">
+            <a:schemeClr val="accent1"/>
+          </a:effectRef>
+          <a:fontRef idx="minor">
+            <a:schemeClr val="tx1"/>
+          </a:fontRef>
+        </p:style>
+      </p:cxnSp>
+      <p:cxnSp>
+        <p:nvCxnSpPr>
+          <p:cNvPr id="25" name="Conector de Seta Reta 24">
+            <a:extLst>
+              <a:ext uri="{FF2B5EF4-FFF2-40B4-BE49-F238E27FC236}">
+                <a16:creationId xmlns:a16="http://schemas.microsoft.com/office/drawing/2014/main" id="{B4B4429C-C193-41AA-A75A-6351DD262625}"/>
+              </a:ext>
+            </a:extLst>
+          </p:cNvPr>
+          <p:cNvCxnSpPr>
+            <a:cxnSpLocks/>
+            <a:stCxn id="10" idx="6"/>
+            <a:endCxn id="15" idx="2"/>
+          </p:cNvCxnSpPr>
+          <p:nvPr/>
+        </p:nvCxnSpPr>
+        <p:spPr>
+          <a:xfrm flipV="1">
+            <a:off x="2214691" y="1759862"/>
+            <a:ext cx="1729532" cy="1607822"/>
+          </a:xfrm>
+          <a:prstGeom prst="straightConnector1">
+            <a:avLst/>
+          </a:prstGeom>
+          <a:ln>
+            <a:tailEnd type="triangle"/>
+          </a:ln>
+        </p:spPr>
+        <p:style>
+          <a:lnRef idx="1">
+            <a:schemeClr val="accent1"/>
+          </a:lnRef>
+          <a:fillRef idx="0">
+            <a:schemeClr val="accent1"/>
+          </a:fillRef>
+          <a:effectRef idx="0">
+            <a:schemeClr val="accent1"/>
+          </a:effectRef>
+          <a:fontRef idx="minor">
+            <a:schemeClr val="tx1"/>
+          </a:fontRef>
+        </p:style>
+      </p:cxnSp>
+      <p:cxnSp>
+        <p:nvCxnSpPr>
+          <p:cNvPr id="26" name="Conector de Seta Reta 25">
+            <a:extLst>
+              <a:ext uri="{FF2B5EF4-FFF2-40B4-BE49-F238E27FC236}">
+                <a16:creationId xmlns:a16="http://schemas.microsoft.com/office/drawing/2014/main" id="{AACC8F59-54D4-4E59-8145-A12B10530CF9}"/>
+              </a:ext>
+            </a:extLst>
+          </p:cNvPr>
+          <p:cNvCxnSpPr>
+            <a:cxnSpLocks/>
+            <a:stCxn id="11" idx="6"/>
+            <a:endCxn id="15" idx="2"/>
+          </p:cNvCxnSpPr>
+          <p:nvPr/>
+        </p:nvCxnSpPr>
+        <p:spPr>
+          <a:xfrm flipV="1">
+            <a:off x="2214691" y="1759862"/>
+            <a:ext cx="1729532" cy="2130307"/>
+          </a:xfrm>
+          <a:prstGeom prst="straightConnector1">
+            <a:avLst/>
+          </a:prstGeom>
+          <a:ln>
+            <a:tailEnd type="triangle"/>
+          </a:ln>
+        </p:spPr>
+        <p:style>
+          <a:lnRef idx="1">
+            <a:schemeClr val="accent1"/>
+          </a:lnRef>
+          <a:fillRef idx="0">
+            <a:schemeClr val="accent1"/>
+          </a:fillRef>
+          <a:effectRef idx="0">
+            <a:schemeClr val="accent1"/>
+          </a:effectRef>
+          <a:fontRef idx="minor">
+            <a:schemeClr val="tx1"/>
+          </a:fontRef>
+        </p:style>
+      </p:cxnSp>
+      <p:cxnSp>
+        <p:nvCxnSpPr>
+          <p:cNvPr id="27" name="Conector de Seta Reta 26">
+            <a:extLst>
+              <a:ext uri="{FF2B5EF4-FFF2-40B4-BE49-F238E27FC236}">
+                <a16:creationId xmlns:a16="http://schemas.microsoft.com/office/drawing/2014/main" id="{FFE23D18-80C2-4FA2-BAC5-8254C2CB41D6}"/>
+              </a:ext>
+            </a:extLst>
+          </p:cNvPr>
+          <p:cNvCxnSpPr>
+            <a:cxnSpLocks/>
+            <a:stCxn id="12" idx="6"/>
+            <a:endCxn id="15" idx="2"/>
+          </p:cNvCxnSpPr>
+          <p:nvPr/>
+        </p:nvCxnSpPr>
+        <p:spPr>
+          <a:xfrm flipV="1">
+            <a:off x="2214691" y="1759862"/>
+            <a:ext cx="1729532" cy="2667992"/>
+          </a:xfrm>
+          <a:prstGeom prst="straightConnector1">
+            <a:avLst/>
+          </a:prstGeom>
+          <a:ln>
+            <a:tailEnd type="triangle"/>
+          </a:ln>
+        </p:spPr>
+        <p:style>
+          <a:lnRef idx="1">
+            <a:schemeClr val="accent1"/>
+          </a:lnRef>
+          <a:fillRef idx="0">
+            <a:schemeClr val="accent1"/>
+          </a:fillRef>
+          <a:effectRef idx="0">
+            <a:schemeClr val="accent1"/>
+          </a:effectRef>
+          <a:fontRef idx="minor">
+            <a:schemeClr val="tx1"/>
+          </a:fontRef>
+        </p:style>
+      </p:cxnSp>
+      <p:cxnSp>
+        <p:nvCxnSpPr>
+          <p:cNvPr id="28" name="Conector de Seta Reta 27">
+            <a:extLst>
+              <a:ext uri="{FF2B5EF4-FFF2-40B4-BE49-F238E27FC236}">
+                <a16:creationId xmlns:a16="http://schemas.microsoft.com/office/drawing/2014/main" id="{5A3A580E-E07B-4300-A4DA-18833881131C}"/>
+              </a:ext>
+            </a:extLst>
+          </p:cNvPr>
+          <p:cNvCxnSpPr>
+            <a:cxnSpLocks/>
+            <a:stCxn id="13" idx="6"/>
+            <a:endCxn id="15" idx="2"/>
+          </p:cNvCxnSpPr>
+          <p:nvPr/>
+        </p:nvCxnSpPr>
+        <p:spPr>
+          <a:xfrm flipV="1">
+            <a:off x="2214691" y="1759862"/>
+            <a:ext cx="1729532" cy="3203849"/>
+          </a:xfrm>
+          <a:prstGeom prst="straightConnector1">
+            <a:avLst/>
+          </a:prstGeom>
+          <a:ln>
+            <a:tailEnd type="triangle"/>
+          </a:ln>
+        </p:spPr>
+        <p:style>
+          <a:lnRef idx="1">
+            <a:schemeClr val="accent1"/>
+          </a:lnRef>
+          <a:fillRef idx="0">
+            <a:schemeClr val="accent1"/>
+          </a:fillRef>
+          <a:effectRef idx="0">
+            <a:schemeClr val="accent1"/>
+          </a:effectRef>
+          <a:fontRef idx="minor">
+            <a:schemeClr val="tx1"/>
+          </a:fontRef>
+        </p:style>
+      </p:cxnSp>
+      <p:cxnSp>
+        <p:nvCxnSpPr>
+          <p:cNvPr id="34" name="Conector de Seta Reta 33">
+            <a:extLst>
+              <a:ext uri="{FF2B5EF4-FFF2-40B4-BE49-F238E27FC236}">
+                <a16:creationId xmlns:a16="http://schemas.microsoft.com/office/drawing/2014/main" id="{2F2C389B-8E99-48CA-A040-C8B62DCC36FB}"/>
+              </a:ext>
+            </a:extLst>
+          </p:cNvPr>
+          <p:cNvCxnSpPr>
+            <a:cxnSpLocks/>
+            <a:stCxn id="7" idx="6"/>
+            <a:endCxn id="15" idx="2"/>
+          </p:cNvCxnSpPr>
+          <p:nvPr/>
+        </p:nvCxnSpPr>
+        <p:spPr>
+          <a:xfrm flipV="1">
+            <a:off x="2214694" y="1759862"/>
+            <a:ext cx="1729529" cy="9178"/>
+          </a:xfrm>
+          <a:prstGeom prst="straightConnector1">
+            <a:avLst/>
+          </a:prstGeom>
+          <a:ln>
+            <a:tailEnd type="triangle"/>
+          </a:ln>
+        </p:spPr>
+        <p:style>
+          <a:lnRef idx="1">
+            <a:schemeClr val="accent1"/>
+          </a:lnRef>
+          <a:fillRef idx="0">
+            <a:schemeClr val="accent1"/>
+          </a:fillRef>
+          <a:effectRef idx="0">
+            <a:schemeClr val="accent1"/>
+          </a:effectRef>
+          <a:fontRef idx="minor">
+            <a:schemeClr val="tx1"/>
+          </a:fontRef>
+        </p:style>
+      </p:cxnSp>
+      <p:cxnSp>
+        <p:nvCxnSpPr>
+          <p:cNvPr id="36" name="Conector de Seta Reta 35">
+            <a:extLst>
+              <a:ext uri="{FF2B5EF4-FFF2-40B4-BE49-F238E27FC236}">
+                <a16:creationId xmlns:a16="http://schemas.microsoft.com/office/drawing/2014/main" id="{463B0256-04A3-4A32-BDC1-05F3E379D4AC}"/>
+              </a:ext>
+            </a:extLst>
+          </p:cNvPr>
+          <p:cNvCxnSpPr>
+            <a:cxnSpLocks/>
+            <a:stCxn id="8" idx="6"/>
+            <a:endCxn id="15" idx="2"/>
+          </p:cNvCxnSpPr>
+          <p:nvPr/>
+        </p:nvCxnSpPr>
+        <p:spPr>
+          <a:xfrm flipV="1">
+            <a:off x="2214694" y="1759862"/>
+            <a:ext cx="1729529" cy="547652"/>
+          </a:xfrm>
+          <a:prstGeom prst="straightConnector1">
+            <a:avLst/>
+          </a:prstGeom>
+          <a:ln>
+            <a:tailEnd type="triangle"/>
+          </a:ln>
+        </p:spPr>
+        <p:style>
+          <a:lnRef idx="1">
+            <a:schemeClr val="accent1"/>
+          </a:lnRef>
+          <a:fillRef idx="0">
+            <a:schemeClr val="accent1"/>
+          </a:fillRef>
+          <a:effectRef idx="0">
+            <a:schemeClr val="accent1"/>
+          </a:effectRef>
+          <a:fontRef idx="minor">
+            <a:schemeClr val="tx1"/>
+          </a:fontRef>
+        </p:style>
+      </p:cxnSp>
+      <p:cxnSp>
+        <p:nvCxnSpPr>
+          <p:cNvPr id="46" name="Conector de Seta Reta 45">
+            <a:extLst>
+              <a:ext uri="{FF2B5EF4-FFF2-40B4-BE49-F238E27FC236}">
+                <a16:creationId xmlns:a16="http://schemas.microsoft.com/office/drawing/2014/main" id="{9C8CE180-DECB-492C-A254-9D3E2396F98A}"/>
+              </a:ext>
+            </a:extLst>
+          </p:cNvPr>
+          <p:cNvCxnSpPr>
+            <a:cxnSpLocks/>
+            <a:stCxn id="7" idx="6"/>
+          </p:cNvCxnSpPr>
+          <p:nvPr/>
+        </p:nvCxnSpPr>
+        <p:spPr>
+          <a:xfrm>
+            <a:off x="2214694" y="1769040"/>
+            <a:ext cx="1729530" cy="1076948"/>
+          </a:xfrm>
+          <a:prstGeom prst="straightConnector1">
+            <a:avLst/>
+          </a:prstGeom>
+          <a:ln>
+            <a:tailEnd type="triangle"/>
+          </a:ln>
+        </p:spPr>
+        <p:style>
+          <a:lnRef idx="1">
+            <a:schemeClr val="accent1"/>
+          </a:lnRef>
+          <a:fillRef idx="0">
+            <a:schemeClr val="accent1"/>
+          </a:fillRef>
+          <a:effectRef idx="0">
+            <a:schemeClr val="accent1"/>
+          </a:effectRef>
+          <a:fontRef idx="minor">
+            <a:schemeClr val="tx1"/>
+          </a:fontRef>
+        </p:style>
+      </p:cxnSp>
+      <p:cxnSp>
+        <p:nvCxnSpPr>
+          <p:cNvPr id="47" name="Conector de Seta Reta 46">
+            <a:extLst>
+              <a:ext uri="{FF2B5EF4-FFF2-40B4-BE49-F238E27FC236}">
+                <a16:creationId xmlns:a16="http://schemas.microsoft.com/office/drawing/2014/main" id="{8E7CD07E-1ACB-4B93-9BB3-2BDC960F52DC}"/>
+              </a:ext>
+            </a:extLst>
+          </p:cNvPr>
+          <p:cNvCxnSpPr>
+            <a:cxnSpLocks/>
+            <a:stCxn id="8" idx="6"/>
+          </p:cNvCxnSpPr>
+          <p:nvPr/>
+        </p:nvCxnSpPr>
+        <p:spPr>
+          <a:xfrm>
+            <a:off x="2214694" y="2307514"/>
+            <a:ext cx="1729530" cy="538474"/>
+          </a:xfrm>
+          <a:prstGeom prst="straightConnector1">
+            <a:avLst/>
+          </a:prstGeom>
+          <a:ln>
+            <a:tailEnd type="triangle"/>
+          </a:ln>
+        </p:spPr>
+        <p:style>
+          <a:lnRef idx="1">
+            <a:schemeClr val="accent1"/>
+          </a:lnRef>
+          <a:fillRef idx="0">
+            <a:schemeClr val="accent1"/>
+          </a:fillRef>
+          <a:effectRef idx="0">
+            <a:schemeClr val="accent1"/>
+          </a:effectRef>
+          <a:fontRef idx="minor">
+            <a:schemeClr val="tx1"/>
+          </a:fontRef>
+        </p:style>
+      </p:cxnSp>
+      <p:cxnSp>
+        <p:nvCxnSpPr>
+          <p:cNvPr id="48" name="Conector de Seta Reta 47">
+            <a:extLst>
+              <a:ext uri="{FF2B5EF4-FFF2-40B4-BE49-F238E27FC236}">
+                <a16:creationId xmlns:a16="http://schemas.microsoft.com/office/drawing/2014/main" id="{D186938A-17EE-40D9-92BB-DC34966B8D76}"/>
+              </a:ext>
+            </a:extLst>
+          </p:cNvPr>
+          <p:cNvCxnSpPr>
+            <a:cxnSpLocks/>
+            <a:stCxn id="11" idx="6"/>
+          </p:cNvCxnSpPr>
+          <p:nvPr/>
+        </p:nvCxnSpPr>
+        <p:spPr>
+          <a:xfrm flipV="1">
+            <a:off x="2214691" y="2845989"/>
+            <a:ext cx="1729533" cy="1044180"/>
+          </a:xfrm>
+          <a:prstGeom prst="straightConnector1">
+            <a:avLst/>
+          </a:prstGeom>
+          <a:ln>
+            <a:tailEnd type="triangle"/>
+          </a:ln>
+        </p:spPr>
+        <p:style>
+          <a:lnRef idx="1">
+            <a:schemeClr val="accent1"/>
+          </a:lnRef>
+          <a:fillRef idx="0">
+            <a:schemeClr val="accent1"/>
+          </a:fillRef>
+          <a:effectRef idx="0">
+            <a:schemeClr val="accent1"/>
+          </a:effectRef>
+          <a:fontRef idx="minor">
+            <a:schemeClr val="tx1"/>
+          </a:fontRef>
+        </p:style>
+      </p:cxnSp>
+      <p:cxnSp>
+        <p:nvCxnSpPr>
+          <p:cNvPr id="49" name="Conector de Seta Reta 48">
+            <a:extLst>
+              <a:ext uri="{FF2B5EF4-FFF2-40B4-BE49-F238E27FC236}">
+                <a16:creationId xmlns:a16="http://schemas.microsoft.com/office/drawing/2014/main" id="{6658DE2A-664B-432F-8CBF-8F4077BC41C6}"/>
+              </a:ext>
+            </a:extLst>
+          </p:cNvPr>
+          <p:cNvCxnSpPr>
+            <a:cxnSpLocks/>
+            <a:stCxn id="12" idx="6"/>
+          </p:cNvCxnSpPr>
+          <p:nvPr/>
+        </p:nvCxnSpPr>
+        <p:spPr>
+          <a:xfrm flipV="1">
+            <a:off x="2214691" y="2845988"/>
+            <a:ext cx="1729533" cy="1581866"/>
+          </a:xfrm>
+          <a:prstGeom prst="straightConnector1">
+            <a:avLst/>
+          </a:prstGeom>
+          <a:ln>
+            <a:tailEnd type="triangle"/>
+          </a:ln>
+        </p:spPr>
+        <p:style>
+          <a:lnRef idx="1">
+            <a:schemeClr val="accent1"/>
+          </a:lnRef>
+          <a:fillRef idx="0">
+            <a:schemeClr val="accent1"/>
+          </a:fillRef>
+          <a:effectRef idx="0">
+            <a:schemeClr val="accent1"/>
+          </a:effectRef>
+          <a:fontRef idx="minor">
+            <a:schemeClr val="tx1"/>
+          </a:fontRef>
+        </p:style>
+      </p:cxnSp>
+      <p:cxnSp>
+        <p:nvCxnSpPr>
+          <p:cNvPr id="50" name="Conector de Seta Reta 49">
+            <a:extLst>
+              <a:ext uri="{FF2B5EF4-FFF2-40B4-BE49-F238E27FC236}">
+                <a16:creationId xmlns:a16="http://schemas.microsoft.com/office/drawing/2014/main" id="{FA7A9519-49DD-4EF0-9119-8B60316F0302}"/>
+              </a:ext>
+            </a:extLst>
+          </p:cNvPr>
+          <p:cNvCxnSpPr>
+            <a:cxnSpLocks/>
+            <a:stCxn id="13" idx="6"/>
+          </p:cNvCxnSpPr>
+          <p:nvPr/>
+        </p:nvCxnSpPr>
+        <p:spPr>
+          <a:xfrm flipV="1">
+            <a:off x="2214691" y="2845989"/>
+            <a:ext cx="1729533" cy="2117722"/>
+          </a:xfrm>
+          <a:prstGeom prst="straightConnector1">
+            <a:avLst/>
+          </a:prstGeom>
+          <a:ln>
+            <a:tailEnd type="triangle"/>
+          </a:ln>
+        </p:spPr>
+        <p:style>
+          <a:lnRef idx="1">
+            <a:schemeClr val="accent1"/>
+          </a:lnRef>
+          <a:fillRef idx="0">
+            <a:schemeClr val="accent1"/>
+          </a:fillRef>
+          <a:effectRef idx="0">
+            <a:schemeClr val="accent1"/>
+          </a:effectRef>
+          <a:fontRef idx="minor">
+            <a:schemeClr val="tx1"/>
+          </a:fontRef>
+        </p:style>
+      </p:cxnSp>
+      <p:cxnSp>
+        <p:nvCxnSpPr>
+          <p:cNvPr id="51" name="Conector de Seta Reta 50">
+            <a:extLst>
+              <a:ext uri="{FF2B5EF4-FFF2-40B4-BE49-F238E27FC236}">
+                <a16:creationId xmlns:a16="http://schemas.microsoft.com/office/drawing/2014/main" id="{6D3E6DA6-5E38-4F40-AD6C-E79E94EE9FFF}"/>
+              </a:ext>
+            </a:extLst>
+          </p:cNvPr>
+          <p:cNvCxnSpPr>
+            <a:cxnSpLocks/>
+            <a:stCxn id="6" idx="6"/>
+          </p:cNvCxnSpPr>
+          <p:nvPr/>
+        </p:nvCxnSpPr>
+        <p:spPr>
+          <a:xfrm>
+            <a:off x="2214694" y="1230566"/>
+            <a:ext cx="1729530" cy="1615422"/>
+          </a:xfrm>
+          <a:prstGeom prst="straightConnector1">
+            <a:avLst/>
+          </a:prstGeom>
+          <a:ln>
+            <a:tailEnd type="triangle"/>
+          </a:ln>
+        </p:spPr>
+        <p:style>
+          <a:lnRef idx="1">
+            <a:schemeClr val="accent1"/>
+          </a:lnRef>
+          <a:fillRef idx="0">
+            <a:schemeClr val="accent1"/>
+          </a:fillRef>
+          <a:effectRef idx="0">
+            <a:schemeClr val="accent1"/>
+          </a:effectRef>
+          <a:fontRef idx="minor">
+            <a:schemeClr val="tx1"/>
+          </a:fontRef>
+        </p:style>
+      </p:cxnSp>
+      <p:cxnSp>
+        <p:nvCxnSpPr>
+          <p:cNvPr id="52" name="Conector de Seta Reta 51">
+            <a:extLst>
+              <a:ext uri="{FF2B5EF4-FFF2-40B4-BE49-F238E27FC236}">
+                <a16:creationId xmlns:a16="http://schemas.microsoft.com/office/drawing/2014/main" id="{75BD26C8-07EE-4E04-AE05-6E6C2DEBCF49}"/>
+              </a:ext>
+            </a:extLst>
+          </p:cNvPr>
+          <p:cNvCxnSpPr>
+            <a:cxnSpLocks/>
+            <a:stCxn id="4" idx="6"/>
+          </p:cNvCxnSpPr>
+          <p:nvPr/>
+        </p:nvCxnSpPr>
+        <p:spPr>
+          <a:xfrm>
+            <a:off x="2214694" y="708870"/>
+            <a:ext cx="1729530" cy="2137119"/>
+          </a:xfrm>
+          <a:prstGeom prst="straightConnector1">
+            <a:avLst/>
+          </a:prstGeom>
+          <a:ln>
+            <a:tailEnd type="triangle"/>
+          </a:ln>
+        </p:spPr>
+        <p:style>
+          <a:lnRef idx="1">
+            <a:schemeClr val="accent1"/>
+          </a:lnRef>
+          <a:fillRef idx="0">
+            <a:schemeClr val="accent1"/>
+          </a:fillRef>
+          <a:effectRef idx="0">
+            <a:schemeClr val="accent1"/>
+          </a:effectRef>
+          <a:fontRef idx="minor">
+            <a:schemeClr val="tx1"/>
+          </a:fontRef>
+        </p:style>
+      </p:cxnSp>
+      <p:cxnSp>
+        <p:nvCxnSpPr>
+          <p:cNvPr id="53" name="Conector de Seta Reta 52">
+            <a:extLst>
+              <a:ext uri="{FF2B5EF4-FFF2-40B4-BE49-F238E27FC236}">
+                <a16:creationId xmlns:a16="http://schemas.microsoft.com/office/drawing/2014/main" id="{A8ED6FD3-DDD7-40FF-BC7B-5292285A98CD}"/>
+              </a:ext>
+            </a:extLst>
+          </p:cNvPr>
+          <p:cNvCxnSpPr>
+            <a:cxnSpLocks/>
+            <a:stCxn id="9" idx="6"/>
+          </p:cNvCxnSpPr>
+          <p:nvPr/>
+        </p:nvCxnSpPr>
+        <p:spPr>
+          <a:xfrm>
+            <a:off x="2214692" y="2845988"/>
+            <a:ext cx="1729532" cy="0"/>
+          </a:xfrm>
+          <a:prstGeom prst="straightConnector1">
+            <a:avLst/>
+          </a:prstGeom>
+          <a:ln>
+            <a:tailEnd type="triangle"/>
+          </a:ln>
+        </p:spPr>
+        <p:style>
+          <a:lnRef idx="1">
+            <a:schemeClr val="accent1"/>
+          </a:lnRef>
+          <a:fillRef idx="0">
+            <a:schemeClr val="accent1"/>
+          </a:fillRef>
+          <a:effectRef idx="0">
+            <a:schemeClr val="accent1"/>
+          </a:effectRef>
+          <a:fontRef idx="minor">
+            <a:schemeClr val="tx1"/>
+          </a:fontRef>
+        </p:style>
+      </p:cxnSp>
+      <p:cxnSp>
+        <p:nvCxnSpPr>
+          <p:cNvPr id="54" name="Conector de Seta Reta 53">
+            <a:extLst>
+              <a:ext uri="{FF2B5EF4-FFF2-40B4-BE49-F238E27FC236}">
+                <a16:creationId xmlns:a16="http://schemas.microsoft.com/office/drawing/2014/main" id="{261B45DE-10C0-437C-8187-FF4916352DC7}"/>
+              </a:ext>
+            </a:extLst>
+          </p:cNvPr>
+          <p:cNvCxnSpPr>
+            <a:cxnSpLocks/>
+            <a:stCxn id="10" idx="6"/>
+          </p:cNvCxnSpPr>
+          <p:nvPr/>
+        </p:nvCxnSpPr>
+        <p:spPr>
+          <a:xfrm flipV="1">
+            <a:off x="2214691" y="2845988"/>
+            <a:ext cx="1729533" cy="521696"/>
+          </a:xfrm>
+          <a:prstGeom prst="straightConnector1">
+            <a:avLst/>
+          </a:prstGeom>
+          <a:ln>
+            <a:tailEnd type="triangle"/>
+          </a:ln>
+        </p:spPr>
+        <p:style>
+          <a:lnRef idx="1">
+            <a:schemeClr val="accent1"/>
+          </a:lnRef>
+          <a:fillRef idx="0">
+            <a:schemeClr val="accent1"/>
+          </a:fillRef>
+          <a:effectRef idx="0">
+            <a:schemeClr val="accent1"/>
+          </a:effectRef>
+          <a:fontRef idx="minor">
+            <a:schemeClr val="tx1"/>
+          </a:fontRef>
+        </p:style>
+      </p:cxnSp>
+      <p:cxnSp>
+        <p:nvCxnSpPr>
+          <p:cNvPr id="55" name="Conector de Seta Reta 54">
+            <a:extLst>
+              <a:ext uri="{FF2B5EF4-FFF2-40B4-BE49-F238E27FC236}">
+                <a16:creationId xmlns:a16="http://schemas.microsoft.com/office/drawing/2014/main" id="{E56CC784-67C9-4F49-B176-2E36EB99E3EB}"/>
+              </a:ext>
+            </a:extLst>
+          </p:cNvPr>
+          <p:cNvCxnSpPr>
+            <a:cxnSpLocks/>
+            <a:stCxn id="4" idx="6"/>
+          </p:cNvCxnSpPr>
+          <p:nvPr/>
+        </p:nvCxnSpPr>
+        <p:spPr>
+          <a:xfrm>
+            <a:off x="2214694" y="708870"/>
+            <a:ext cx="1729530" cy="3089224"/>
+          </a:xfrm>
+          <a:prstGeom prst="straightConnector1">
+            <a:avLst/>
+          </a:prstGeom>
+          <a:ln>
+            <a:tailEnd type="triangle"/>
+          </a:ln>
+        </p:spPr>
+        <p:style>
+          <a:lnRef idx="1">
+            <a:schemeClr val="accent1"/>
+          </a:lnRef>
+          <a:fillRef idx="0">
+            <a:schemeClr val="accent1"/>
+          </a:fillRef>
+          <a:effectRef idx="0">
+            <a:schemeClr val="accent1"/>
+          </a:effectRef>
+          <a:fontRef idx="minor">
+            <a:schemeClr val="tx1"/>
+          </a:fontRef>
+        </p:style>
+      </p:cxnSp>
+      <p:cxnSp>
+        <p:nvCxnSpPr>
+          <p:cNvPr id="56" name="Conector de Seta Reta 55">
+            <a:extLst>
+              <a:ext uri="{FF2B5EF4-FFF2-40B4-BE49-F238E27FC236}">
+                <a16:creationId xmlns:a16="http://schemas.microsoft.com/office/drawing/2014/main" id="{B22A6347-608E-42B9-B604-E854C61CE37A}"/>
+              </a:ext>
+            </a:extLst>
+          </p:cNvPr>
+          <p:cNvCxnSpPr>
+            <a:cxnSpLocks/>
+            <a:stCxn id="6" idx="6"/>
+          </p:cNvCxnSpPr>
+          <p:nvPr/>
+        </p:nvCxnSpPr>
+        <p:spPr>
+          <a:xfrm>
+            <a:off x="2214694" y="1230566"/>
+            <a:ext cx="1729530" cy="2567528"/>
+          </a:xfrm>
+          <a:prstGeom prst="straightConnector1">
+            <a:avLst/>
+          </a:prstGeom>
+          <a:ln>
+            <a:tailEnd type="triangle"/>
+          </a:ln>
+        </p:spPr>
+        <p:style>
+          <a:lnRef idx="1">
+            <a:schemeClr val="accent1"/>
+          </a:lnRef>
+          <a:fillRef idx="0">
+            <a:schemeClr val="accent1"/>
+          </a:fillRef>
+          <a:effectRef idx="0">
+            <a:schemeClr val="accent1"/>
+          </a:effectRef>
+          <a:fontRef idx="minor">
+            <a:schemeClr val="tx1"/>
+          </a:fontRef>
+        </p:style>
+      </p:cxnSp>
+      <p:cxnSp>
+        <p:nvCxnSpPr>
+          <p:cNvPr id="57" name="Conector de Seta Reta 56">
+            <a:extLst>
+              <a:ext uri="{FF2B5EF4-FFF2-40B4-BE49-F238E27FC236}">
+                <a16:creationId xmlns:a16="http://schemas.microsoft.com/office/drawing/2014/main" id="{6EEC9E08-2682-453C-92E5-156899B4CB46}"/>
+              </a:ext>
+            </a:extLst>
+          </p:cNvPr>
+          <p:cNvCxnSpPr>
+            <a:cxnSpLocks/>
+            <a:stCxn id="9" idx="6"/>
+          </p:cNvCxnSpPr>
+          <p:nvPr/>
+        </p:nvCxnSpPr>
+        <p:spPr>
+          <a:xfrm>
+            <a:off x="2214692" y="2845988"/>
+            <a:ext cx="1729532" cy="952106"/>
+          </a:xfrm>
+          <a:prstGeom prst="straightConnector1">
+            <a:avLst/>
+          </a:prstGeom>
+          <a:ln>
+            <a:tailEnd type="triangle"/>
+          </a:ln>
+        </p:spPr>
+        <p:style>
+          <a:lnRef idx="1">
+            <a:schemeClr val="accent1"/>
+          </a:lnRef>
+          <a:fillRef idx="0">
+            <a:schemeClr val="accent1"/>
+          </a:fillRef>
+          <a:effectRef idx="0">
+            <a:schemeClr val="accent1"/>
+          </a:effectRef>
+          <a:fontRef idx="minor">
+            <a:schemeClr val="tx1"/>
+          </a:fontRef>
+        </p:style>
+      </p:cxnSp>
+      <p:cxnSp>
+        <p:nvCxnSpPr>
+          <p:cNvPr id="58" name="Conector de Seta Reta 57">
+            <a:extLst>
+              <a:ext uri="{FF2B5EF4-FFF2-40B4-BE49-F238E27FC236}">
+                <a16:creationId xmlns:a16="http://schemas.microsoft.com/office/drawing/2014/main" id="{54FA5AE7-E470-43C6-BC30-E3D0EA6135E2}"/>
+              </a:ext>
+            </a:extLst>
+          </p:cNvPr>
+          <p:cNvCxnSpPr>
+            <a:cxnSpLocks/>
+            <a:stCxn id="10" idx="6"/>
+          </p:cNvCxnSpPr>
+          <p:nvPr/>
+        </p:nvCxnSpPr>
+        <p:spPr>
+          <a:xfrm>
+            <a:off x="2214691" y="3367684"/>
+            <a:ext cx="1729533" cy="430410"/>
+          </a:xfrm>
+          <a:prstGeom prst="straightConnector1">
+            <a:avLst/>
+          </a:prstGeom>
+          <a:ln>
+            <a:tailEnd type="triangle"/>
+          </a:ln>
+        </p:spPr>
+        <p:style>
+          <a:lnRef idx="1">
+            <a:schemeClr val="accent1"/>
+          </a:lnRef>
+          <a:fillRef idx="0">
+            <a:schemeClr val="accent1"/>
+          </a:fillRef>
+          <a:effectRef idx="0">
+            <a:schemeClr val="accent1"/>
+          </a:effectRef>
+          <a:fontRef idx="minor">
+            <a:schemeClr val="tx1"/>
+          </a:fontRef>
+        </p:style>
+      </p:cxnSp>
+      <p:cxnSp>
+        <p:nvCxnSpPr>
+          <p:cNvPr id="59" name="Conector de Seta Reta 58">
+            <a:extLst>
+              <a:ext uri="{FF2B5EF4-FFF2-40B4-BE49-F238E27FC236}">
+                <a16:creationId xmlns:a16="http://schemas.microsoft.com/office/drawing/2014/main" id="{A9390148-B9FE-4023-947A-D5FA88991F95}"/>
+              </a:ext>
+            </a:extLst>
+          </p:cNvPr>
+          <p:cNvCxnSpPr>
+            <a:cxnSpLocks/>
+            <a:stCxn id="11" idx="6"/>
+          </p:cNvCxnSpPr>
+          <p:nvPr/>
+        </p:nvCxnSpPr>
+        <p:spPr>
+          <a:xfrm flipV="1">
+            <a:off x="2214691" y="3798095"/>
+            <a:ext cx="1729533" cy="92074"/>
+          </a:xfrm>
+          <a:prstGeom prst="straightConnector1">
+            <a:avLst/>
+          </a:prstGeom>
+          <a:ln>
+            <a:tailEnd type="triangle"/>
+          </a:ln>
+        </p:spPr>
+        <p:style>
+          <a:lnRef idx="1">
+            <a:schemeClr val="accent1"/>
+          </a:lnRef>
+          <a:fillRef idx="0">
+            <a:schemeClr val="accent1"/>
+          </a:fillRef>
+          <a:effectRef idx="0">
+            <a:schemeClr val="accent1"/>
+          </a:effectRef>
+          <a:fontRef idx="minor">
+            <a:schemeClr val="tx1"/>
+          </a:fontRef>
+        </p:style>
+      </p:cxnSp>
+      <p:cxnSp>
+        <p:nvCxnSpPr>
+          <p:cNvPr id="60" name="Conector de Seta Reta 59">
+            <a:extLst>
+              <a:ext uri="{FF2B5EF4-FFF2-40B4-BE49-F238E27FC236}">
+                <a16:creationId xmlns:a16="http://schemas.microsoft.com/office/drawing/2014/main" id="{FFA0296A-6457-4705-B579-3C55C8920D76}"/>
+              </a:ext>
+            </a:extLst>
+          </p:cNvPr>
+          <p:cNvCxnSpPr>
+            <a:cxnSpLocks/>
+            <a:stCxn id="12" idx="6"/>
+          </p:cNvCxnSpPr>
+          <p:nvPr/>
+        </p:nvCxnSpPr>
+        <p:spPr>
+          <a:xfrm flipV="1">
+            <a:off x="2214691" y="3798094"/>
+            <a:ext cx="1729533" cy="629760"/>
+          </a:xfrm>
+          <a:prstGeom prst="straightConnector1">
+            <a:avLst/>
+          </a:prstGeom>
+          <a:ln>
+            <a:tailEnd type="triangle"/>
+          </a:ln>
+        </p:spPr>
+        <p:style>
+          <a:lnRef idx="1">
+            <a:schemeClr val="accent1"/>
+          </a:lnRef>
+          <a:fillRef idx="0">
+            <a:schemeClr val="accent1"/>
+          </a:fillRef>
+          <a:effectRef idx="0">
+            <a:schemeClr val="accent1"/>
+          </a:effectRef>
+          <a:fontRef idx="minor">
+            <a:schemeClr val="tx1"/>
+          </a:fontRef>
+        </p:style>
+      </p:cxnSp>
+      <p:cxnSp>
+        <p:nvCxnSpPr>
+          <p:cNvPr id="61" name="Conector de Seta Reta 60">
+            <a:extLst>
+              <a:ext uri="{FF2B5EF4-FFF2-40B4-BE49-F238E27FC236}">
+                <a16:creationId xmlns:a16="http://schemas.microsoft.com/office/drawing/2014/main" id="{0C79CAC9-2159-49F6-A346-6B81A4367766}"/>
+              </a:ext>
+            </a:extLst>
+          </p:cNvPr>
+          <p:cNvCxnSpPr>
+            <a:cxnSpLocks/>
+            <a:stCxn id="13" idx="6"/>
+          </p:cNvCxnSpPr>
+          <p:nvPr/>
+        </p:nvCxnSpPr>
+        <p:spPr>
+          <a:xfrm flipV="1">
+            <a:off x="2214691" y="3798095"/>
+            <a:ext cx="1729533" cy="1165616"/>
+          </a:xfrm>
+          <a:prstGeom prst="straightConnector1">
+            <a:avLst/>
+          </a:prstGeom>
+          <a:ln>
+            <a:tailEnd type="triangle"/>
+          </a:ln>
+        </p:spPr>
+        <p:style>
+          <a:lnRef idx="1">
+            <a:schemeClr val="accent1"/>
+          </a:lnRef>
+          <a:fillRef idx="0">
+            <a:schemeClr val="accent1"/>
+          </a:fillRef>
+          <a:effectRef idx="0">
+            <a:schemeClr val="accent1"/>
+          </a:effectRef>
+          <a:fontRef idx="minor">
+            <a:schemeClr val="tx1"/>
+          </a:fontRef>
+        </p:style>
+      </p:cxnSp>
+      <p:cxnSp>
+        <p:nvCxnSpPr>
+          <p:cNvPr id="62" name="Conector de Seta Reta 61">
+            <a:extLst>
+              <a:ext uri="{FF2B5EF4-FFF2-40B4-BE49-F238E27FC236}">
+                <a16:creationId xmlns:a16="http://schemas.microsoft.com/office/drawing/2014/main" id="{2B5C721C-B76D-4EE5-92A2-F0132FA2A306}"/>
+              </a:ext>
+            </a:extLst>
+          </p:cNvPr>
+          <p:cNvCxnSpPr>
+            <a:cxnSpLocks/>
+            <a:stCxn id="7" idx="6"/>
+          </p:cNvCxnSpPr>
+          <p:nvPr/>
+        </p:nvCxnSpPr>
+        <p:spPr>
+          <a:xfrm>
+            <a:off x="2214694" y="1769040"/>
+            <a:ext cx="1729530" cy="2029054"/>
+          </a:xfrm>
+          <a:prstGeom prst="straightConnector1">
+            <a:avLst/>
+          </a:prstGeom>
+          <a:ln>
+            <a:tailEnd type="triangle"/>
+          </a:ln>
+        </p:spPr>
+        <p:style>
+          <a:lnRef idx="1">
+            <a:schemeClr val="accent1"/>
+          </a:lnRef>
+          <a:fillRef idx="0">
+            <a:schemeClr val="accent1"/>
+          </a:fillRef>
+          <a:effectRef idx="0">
+            <a:schemeClr val="accent1"/>
+          </a:effectRef>
+          <a:fontRef idx="minor">
+            <a:schemeClr val="tx1"/>
+          </a:fontRef>
+        </p:style>
+      </p:cxnSp>
+      <p:cxnSp>
+        <p:nvCxnSpPr>
+          <p:cNvPr id="63" name="Conector de Seta Reta 62">
+            <a:extLst>
+              <a:ext uri="{FF2B5EF4-FFF2-40B4-BE49-F238E27FC236}">
+                <a16:creationId xmlns:a16="http://schemas.microsoft.com/office/drawing/2014/main" id="{A7A8A374-2FB1-4E43-B988-C65FB3C091A8}"/>
+              </a:ext>
+            </a:extLst>
+          </p:cNvPr>
+          <p:cNvCxnSpPr>
+            <a:cxnSpLocks/>
+            <a:stCxn id="8" idx="6"/>
+          </p:cNvCxnSpPr>
+          <p:nvPr/>
+        </p:nvCxnSpPr>
+        <p:spPr>
+          <a:xfrm>
+            <a:off x="2214694" y="2307514"/>
+            <a:ext cx="1729530" cy="1490580"/>
+          </a:xfrm>
+          <a:prstGeom prst="straightConnector1">
+            <a:avLst/>
+          </a:prstGeom>
+          <a:ln>
+            <a:tailEnd type="triangle"/>
+          </a:ln>
+        </p:spPr>
+        <p:style>
+          <a:lnRef idx="1">
+            <a:schemeClr val="accent1"/>
+          </a:lnRef>
+          <a:fillRef idx="0">
+            <a:schemeClr val="accent1"/>
+          </a:fillRef>
+          <a:effectRef idx="0">
+            <a:schemeClr val="accent1"/>
+          </a:effectRef>
+          <a:fontRef idx="minor">
+            <a:schemeClr val="tx1"/>
+          </a:fontRef>
+        </p:style>
+      </p:cxnSp>
+      <p:cxnSp>
+        <p:nvCxnSpPr>
+          <p:cNvPr id="92" name="Conector de Seta Reta 91">
+            <a:extLst>
+              <a:ext uri="{FF2B5EF4-FFF2-40B4-BE49-F238E27FC236}">
+                <a16:creationId xmlns:a16="http://schemas.microsoft.com/office/drawing/2014/main" id="{27BC42CC-F02C-48EF-BE25-BE03BDD5B99A}"/>
+              </a:ext>
+            </a:extLst>
+          </p:cNvPr>
+          <p:cNvCxnSpPr>
+            <a:stCxn id="15" idx="6"/>
+            <a:endCxn id="18" idx="2"/>
+          </p:cNvCxnSpPr>
+          <p:nvPr/>
+        </p:nvCxnSpPr>
+        <p:spPr>
+          <a:xfrm>
+            <a:off x="4372062" y="1759862"/>
+            <a:ext cx="1296099" cy="1086125"/>
+          </a:xfrm>
+          <a:prstGeom prst="straightConnector1">
+            <a:avLst/>
+          </a:prstGeom>
+          <a:ln>
+            <a:tailEnd type="triangle"/>
+          </a:ln>
+        </p:spPr>
+        <p:style>
+          <a:lnRef idx="1">
+            <a:schemeClr val="accent1"/>
+          </a:lnRef>
+          <a:fillRef idx="0">
+            <a:schemeClr val="accent1"/>
+          </a:fillRef>
+          <a:effectRef idx="0">
+            <a:schemeClr val="accent1"/>
+          </a:effectRef>
+          <a:fontRef idx="minor">
+            <a:schemeClr val="tx1"/>
+          </a:fontRef>
+        </p:style>
+      </p:cxnSp>
+      <p:cxnSp>
+        <p:nvCxnSpPr>
+          <p:cNvPr id="93" name="Conector de Seta Reta 92">
+            <a:extLst>
+              <a:ext uri="{FF2B5EF4-FFF2-40B4-BE49-F238E27FC236}">
+                <a16:creationId xmlns:a16="http://schemas.microsoft.com/office/drawing/2014/main" id="{FCEC7D34-0899-4D0D-B8BF-74EEA7BEE6F2}"/>
+              </a:ext>
+            </a:extLst>
+          </p:cNvPr>
+          <p:cNvCxnSpPr>
+            <a:cxnSpLocks/>
+            <a:stCxn id="17" idx="6"/>
+            <a:endCxn id="18" idx="2"/>
+          </p:cNvCxnSpPr>
+          <p:nvPr/>
+        </p:nvCxnSpPr>
+        <p:spPr>
+          <a:xfrm>
+            <a:off x="4372060" y="2845986"/>
+            <a:ext cx="1296101" cy="1"/>
+          </a:xfrm>
+          <a:prstGeom prst="straightConnector1">
+            <a:avLst/>
+          </a:prstGeom>
+          <a:ln>
+            <a:tailEnd type="triangle"/>
+          </a:ln>
+        </p:spPr>
+        <p:style>
+          <a:lnRef idx="1">
+            <a:schemeClr val="accent1"/>
+          </a:lnRef>
+          <a:fillRef idx="0">
+            <a:schemeClr val="accent1"/>
+          </a:fillRef>
+          <a:effectRef idx="0">
+            <a:schemeClr val="accent1"/>
+          </a:effectRef>
+          <a:fontRef idx="minor">
+            <a:schemeClr val="tx1"/>
+          </a:fontRef>
+        </p:style>
+      </p:cxnSp>
+      <p:cxnSp>
+        <p:nvCxnSpPr>
+          <p:cNvPr id="95" name="Conector de Seta Reta 94">
+            <a:extLst>
+              <a:ext uri="{FF2B5EF4-FFF2-40B4-BE49-F238E27FC236}">
+                <a16:creationId xmlns:a16="http://schemas.microsoft.com/office/drawing/2014/main" id="{84EEA50D-0408-417E-AFCE-65DFDDFAE8B3}"/>
+              </a:ext>
+            </a:extLst>
+          </p:cNvPr>
+          <p:cNvCxnSpPr>
+            <a:cxnSpLocks/>
+            <a:stCxn id="16" idx="6"/>
+            <a:endCxn id="18" idx="2"/>
+          </p:cNvCxnSpPr>
+          <p:nvPr/>
+        </p:nvCxnSpPr>
+        <p:spPr>
+          <a:xfrm flipV="1">
+            <a:off x="4372061" y="2845987"/>
+            <a:ext cx="1296100" cy="931969"/>
+          </a:xfrm>
+          <a:prstGeom prst="straightConnector1">
+            <a:avLst/>
+          </a:prstGeom>
+          <a:ln>
+            <a:tailEnd type="triangle"/>
+          </a:ln>
+        </p:spPr>
+        <p:style>
+          <a:lnRef idx="1">
+            <a:schemeClr val="accent1"/>
+          </a:lnRef>
+          <a:fillRef idx="0">
+            <a:schemeClr val="accent1"/>
+          </a:fillRef>
+          <a:effectRef idx="0">
+            <a:schemeClr val="accent1"/>
+          </a:effectRef>
+          <a:fontRef idx="minor">
+            <a:schemeClr val="tx1"/>
+          </a:fontRef>
+        </p:style>
+      </p:cxnSp>
+      <p:sp>
+        <p:nvSpPr>
+          <p:cNvPr id="99" name="CaixaDeTexto 98">
+            <a:extLst>
+              <a:ext uri="{FF2B5EF4-FFF2-40B4-BE49-F238E27FC236}">
+                <a16:creationId xmlns:a16="http://schemas.microsoft.com/office/drawing/2014/main" id="{28369A2B-05BD-4067-97FC-AFF24F0F073F}"/>
+              </a:ext>
+            </a:extLst>
+          </p:cNvPr>
+          <p:cNvSpPr txBox="1"/>
+          <p:nvPr/>
+        </p:nvSpPr>
+        <p:spPr>
+          <a:xfrm>
+            <a:off x="3753221" y="1166072"/>
+            <a:ext cx="809837" cy="307777"/>
+          </a:xfrm>
+          <a:prstGeom prst="rect">
+            <a:avLst/>
+          </a:prstGeom>
+          <a:noFill/>
+        </p:spPr>
+        <p:txBody>
+          <a:bodyPr wrap="none" rtlCol="0">
+            <a:spAutoFit/>
+          </a:bodyPr>
+          <a:lstStyle/>
+          <a:p>
+            <a:r>
+              <a:rPr lang="pt-BR" sz="1400" dirty="0">
+                <a:latin typeface="Handel Gothic" pitchFamily="50" charset="0"/>
+              </a:rPr>
+              <a:t>modelo</a:t>
+            </a:r>
+          </a:p>
+        </p:txBody>
+      </p:sp>
+      <p:sp>
+        <p:nvSpPr>
+          <p:cNvPr id="100" name="CaixaDeTexto 99">
+            <a:extLst>
+              <a:ext uri="{FF2B5EF4-FFF2-40B4-BE49-F238E27FC236}">
+                <a16:creationId xmlns:a16="http://schemas.microsoft.com/office/drawing/2014/main" id="{E6C86A8C-D603-4A26-A1AE-510505475A23}"/>
+              </a:ext>
+            </a:extLst>
+          </p:cNvPr>
+          <p:cNvSpPr txBox="1"/>
+          <p:nvPr/>
+        </p:nvSpPr>
+        <p:spPr>
+          <a:xfrm>
+            <a:off x="5366555" y="2241314"/>
+            <a:ext cx="1031051" cy="307777"/>
+          </a:xfrm>
+          <a:prstGeom prst="rect">
+            <a:avLst/>
+          </a:prstGeom>
+          <a:noFill/>
+        </p:spPr>
+        <p:txBody>
+          <a:bodyPr wrap="none" rtlCol="0">
+            <a:spAutoFit/>
+          </a:bodyPr>
+          <a:lstStyle/>
+          <a:p>
+            <a:r>
+              <a:rPr lang="pt-BR" sz="1400" dirty="0">
+                <a:latin typeface="Handel Gothic" pitchFamily="50" charset="0"/>
+              </a:rPr>
+              <a:t>resultado</a:t>
+            </a:r>
+          </a:p>
+        </p:txBody>
+      </p:sp>
+    </p:spTree>
+    <p:extLst>
+      <p:ext uri="{BB962C8B-B14F-4D97-AF65-F5344CB8AC3E}">
+        <p14:creationId xmlns:p14="http://schemas.microsoft.com/office/powerpoint/2010/main" val="2331554863"/>
+      </p:ext>
+    </p:extLst>
+  </p:cSld>
+  <p:clrMapOvr>
+    <a:masterClrMapping/>
+  </p:clrMapOvr>
 </p:sld>
 </file>
 

--- a/_documments/BRAPCI-VINHETA-ENTRADA.pptx
+++ b/_documments/BRAPCI-VINHETA-ENTRADA.pptx
@@ -5,11 +5,12 @@
     <p:sldMasterId id="2147483648" r:id="rId1"/>
   </p:sldMasterIdLst>
   <p:sldIdLst>
-    <p:sldId id="256" r:id="rId2"/>
-    <p:sldId id="260" r:id="rId3"/>
-    <p:sldId id="258" r:id="rId4"/>
-    <p:sldId id="259" r:id="rId5"/>
-    <p:sldId id="261" r:id="rId6"/>
+    <p:sldId id="260" r:id="rId2"/>
+    <p:sldId id="262" r:id="rId3"/>
+    <p:sldId id="263" r:id="rId4"/>
+    <p:sldId id="258" r:id="rId5"/>
+    <p:sldId id="259" r:id="rId6"/>
+    <p:sldId id="261" r:id="rId7"/>
   </p:sldIdLst>
   <p:sldSz cx="12192000" cy="6858000"/>
   <p:notesSz cx="6858000" cy="9144000"/>
@@ -263,7 +264,7 @@
           <a:p>
             <a:fld id="{8D1C6FE6-862E-40CD-99A3-7ADB95B3A9D0}" type="datetimeFigureOut">
               <a:rPr lang="pt-BR" smtClean="0"/>
-              <a:t>15/12/2020</a:t>
+              <a:t>27/05/2021</a:t>
             </a:fld>
             <a:endParaRPr lang="pt-BR"/>
           </a:p>
@@ -461,7 +462,7 @@
           <a:p>
             <a:fld id="{8D1C6FE6-862E-40CD-99A3-7ADB95B3A9D0}" type="datetimeFigureOut">
               <a:rPr lang="pt-BR" smtClean="0"/>
-              <a:t>15/12/2020</a:t>
+              <a:t>27/05/2021</a:t>
             </a:fld>
             <a:endParaRPr lang="pt-BR"/>
           </a:p>
@@ -669,7 +670,7 @@
           <a:p>
             <a:fld id="{8D1C6FE6-862E-40CD-99A3-7ADB95B3A9D0}" type="datetimeFigureOut">
               <a:rPr lang="pt-BR" smtClean="0"/>
-              <a:t>15/12/2020</a:t>
+              <a:t>27/05/2021</a:t>
             </a:fld>
             <a:endParaRPr lang="pt-BR"/>
           </a:p>
@@ -867,7 +868,7 @@
           <a:p>
             <a:fld id="{8D1C6FE6-862E-40CD-99A3-7ADB95B3A9D0}" type="datetimeFigureOut">
               <a:rPr lang="pt-BR" smtClean="0"/>
-              <a:t>15/12/2020</a:t>
+              <a:t>27/05/2021</a:t>
             </a:fld>
             <a:endParaRPr lang="pt-BR"/>
           </a:p>
@@ -1142,7 +1143,7 @@
           <a:p>
             <a:fld id="{8D1C6FE6-862E-40CD-99A3-7ADB95B3A9D0}" type="datetimeFigureOut">
               <a:rPr lang="pt-BR" smtClean="0"/>
-              <a:t>15/12/2020</a:t>
+              <a:t>27/05/2021</a:t>
             </a:fld>
             <a:endParaRPr lang="pt-BR"/>
           </a:p>
@@ -1407,7 +1408,7 @@
           <a:p>
             <a:fld id="{8D1C6FE6-862E-40CD-99A3-7ADB95B3A9D0}" type="datetimeFigureOut">
               <a:rPr lang="pt-BR" smtClean="0"/>
-              <a:t>15/12/2020</a:t>
+              <a:t>27/05/2021</a:t>
             </a:fld>
             <a:endParaRPr lang="pt-BR"/>
           </a:p>
@@ -1819,7 +1820,7 @@
           <a:p>
             <a:fld id="{8D1C6FE6-862E-40CD-99A3-7ADB95B3A9D0}" type="datetimeFigureOut">
               <a:rPr lang="pt-BR" smtClean="0"/>
-              <a:t>15/12/2020</a:t>
+              <a:t>27/05/2021</a:t>
             </a:fld>
             <a:endParaRPr lang="pt-BR"/>
           </a:p>
@@ -1960,7 +1961,7 @@
           <a:p>
             <a:fld id="{8D1C6FE6-862E-40CD-99A3-7ADB95B3A9D0}" type="datetimeFigureOut">
               <a:rPr lang="pt-BR" smtClean="0"/>
-              <a:t>15/12/2020</a:t>
+              <a:t>27/05/2021</a:t>
             </a:fld>
             <a:endParaRPr lang="pt-BR"/>
           </a:p>
@@ -2073,7 +2074,7 @@
           <a:p>
             <a:fld id="{8D1C6FE6-862E-40CD-99A3-7ADB95B3A9D0}" type="datetimeFigureOut">
               <a:rPr lang="pt-BR" smtClean="0"/>
-              <a:t>15/12/2020</a:t>
+              <a:t>27/05/2021</a:t>
             </a:fld>
             <a:endParaRPr lang="pt-BR"/>
           </a:p>
@@ -2384,7 +2385,7 @@
           <a:p>
             <a:fld id="{8D1C6FE6-862E-40CD-99A3-7ADB95B3A9D0}" type="datetimeFigureOut">
               <a:rPr lang="pt-BR" smtClean="0"/>
-              <a:t>15/12/2020</a:t>
+              <a:t>27/05/2021</a:t>
             </a:fld>
             <a:endParaRPr lang="pt-BR"/>
           </a:p>
@@ -2672,7 +2673,7 @@
           <a:p>
             <a:fld id="{8D1C6FE6-862E-40CD-99A3-7ADB95B3A9D0}" type="datetimeFigureOut">
               <a:rPr lang="pt-BR" smtClean="0"/>
-              <a:t>15/12/2020</a:t>
+              <a:t>27/05/2021</a:t>
             </a:fld>
             <a:endParaRPr lang="pt-BR"/>
           </a:p>
@@ -2913,7 +2914,7 @@
           <a:p>
             <a:fld id="{8D1C6FE6-862E-40CD-99A3-7ADB95B3A9D0}" type="datetimeFigureOut">
               <a:rPr lang="pt-BR" smtClean="0"/>
-              <a:t>15/12/2020</a:t>
+              <a:t>27/05/2021</a:t>
             </a:fld>
             <a:endParaRPr lang="pt-BR"/>
           </a:p>
@@ -3316,6 +3317,14 @@
 <file path=ppt/slides/slide1.xml><?xml version="1.0" encoding="utf-8"?>
 <p:sld xmlns:a="http://schemas.openxmlformats.org/drawingml/2006/main" xmlns:r="http://schemas.openxmlformats.org/officeDocument/2006/relationships" xmlns:p="http://schemas.openxmlformats.org/presentationml/2006/main">
   <p:cSld>
+    <p:bg>
+      <p:bgPr>
+        <a:solidFill>
+          <a:srgbClr val="002060"/>
+        </a:solidFill>
+        <a:effectLst/>
+      </p:bgPr>
+    </p:bg>
     <p:spTree>
       <p:nvGrpSpPr>
         <p:cNvPr id="1" name=""/>
@@ -3335,67 +3344,168 @@
           <p:cNvPr id="2" name="Título 1">
             <a:extLst>
               <a:ext uri="{FF2B5EF4-FFF2-40B4-BE49-F238E27FC236}">
-                <a16:creationId xmlns:a16="http://schemas.microsoft.com/office/drawing/2014/main" id="{92BAFDDA-C44D-4EED-ADE4-4337576B023D}"/>
-              </a:ext>
-            </a:extLst>
-          </p:cNvPr>
-          <p:cNvSpPr>
-            <a:spLocks noGrp="1"/>
-          </p:cNvSpPr>
-          <p:nvPr>
-            <p:ph type="ctrTitle"/>
-          </p:nvPr>
-        </p:nvSpPr>
-        <p:spPr/>
-        <p:txBody>
-          <a:bodyPr/>
-          <a:lstStyle/>
-          <a:p>
-            <a:endParaRPr lang="pt-BR"/>
-          </a:p>
-        </p:txBody>
-      </p:sp>
-      <p:sp>
-        <p:nvSpPr>
-          <p:cNvPr id="3" name="Subtítulo 2">
-            <a:extLst>
-              <a:ext uri="{FF2B5EF4-FFF2-40B4-BE49-F238E27FC236}">
-                <a16:creationId xmlns:a16="http://schemas.microsoft.com/office/drawing/2014/main" id="{8E46B1B5-B289-4FE1-B18F-82639EABE427}"/>
-              </a:ext>
-            </a:extLst>
-          </p:cNvPr>
-          <p:cNvSpPr>
-            <a:spLocks noGrp="1"/>
-          </p:cNvSpPr>
-          <p:nvPr>
-            <p:ph type="subTitle" idx="1"/>
-          </p:nvPr>
-        </p:nvSpPr>
-        <p:spPr/>
-        <p:txBody>
-          <a:bodyPr/>
-          <a:lstStyle/>
-          <a:p>
-            <a:endParaRPr lang="pt-BR"/>
+                <a16:creationId xmlns:a16="http://schemas.microsoft.com/office/drawing/2014/main" id="{67795BDD-ECE6-4B0E-9620-746E27F16C29}"/>
+              </a:ext>
+            </a:extLst>
+          </p:cNvPr>
+          <p:cNvSpPr>
+            <a:spLocks noGrp="1"/>
+          </p:cNvSpPr>
+          <p:nvPr>
+            <p:ph type="title"/>
+          </p:nvPr>
+        </p:nvSpPr>
+        <p:spPr>
+          <a:xfrm>
+            <a:off x="3600704" y="2570584"/>
+            <a:ext cx="4869937" cy="1325563"/>
+          </a:xfrm>
+        </p:spPr>
+        <p:txBody>
+          <a:bodyPr>
+            <a:normAutofit/>
+          </a:bodyPr>
+          <a:lstStyle/>
+          <a:p>
+            <a:pPr algn="ctr"/>
+            <a:r>
+              <a:rPr lang="pt-BR" sz="8800" dirty="0">
+                <a:solidFill>
+                  <a:schemeClr val="bg1"/>
+                </a:solidFill>
+                <a:latin typeface="Handel Gothic" pitchFamily="50" charset="0"/>
+                <a:cs typeface="Arial" panose="020B0604020202020204" pitchFamily="34" charset="0"/>
+              </a:rPr>
+              <a:t>BRAPCI</a:t>
+            </a:r>
+          </a:p>
+        </p:txBody>
+      </p:sp>
+      <p:sp>
+        <p:nvSpPr>
+          <p:cNvPr id="4" name="CaixaDeTexto 3">
+            <a:extLst>
+              <a:ext uri="{FF2B5EF4-FFF2-40B4-BE49-F238E27FC236}">
+                <a16:creationId xmlns:a16="http://schemas.microsoft.com/office/drawing/2014/main" id="{E79FB2BD-2080-4D15-95D7-D6536ECA02CF}"/>
+              </a:ext>
+            </a:extLst>
+          </p:cNvPr>
+          <p:cNvSpPr txBox="1"/>
+          <p:nvPr/>
+        </p:nvSpPr>
+        <p:spPr>
+          <a:xfrm>
+            <a:off x="3889162" y="3585948"/>
+            <a:ext cx="4293020" cy="369332"/>
+          </a:xfrm>
+          <a:prstGeom prst="rect">
+            <a:avLst/>
+          </a:prstGeom>
+          <a:noFill/>
+        </p:spPr>
+        <p:txBody>
+          <a:bodyPr wrap="square" rtlCol="0">
+            <a:spAutoFit/>
+          </a:bodyPr>
+          <a:lstStyle/>
+          <a:p>
+            <a:pPr algn="ctr"/>
+            <a:r>
+              <a:rPr lang="pt-BR" dirty="0">
+                <a:solidFill>
+                  <a:schemeClr val="bg1"/>
+                </a:solidFill>
+                <a:latin typeface="Segoe UI Light" panose="020B0502040204020203" pitchFamily="34" charset="0"/>
+                <a:cs typeface="Segoe UI Light" panose="020B0502040204020203" pitchFamily="34" charset="0"/>
+              </a:rPr>
+              <a:t>Base de dados em Ciência da Informação</a:t>
+            </a:r>
+          </a:p>
+        </p:txBody>
+      </p:sp>
+      <p:sp>
+        <p:nvSpPr>
+          <p:cNvPr id="5" name="Título 1">
+            <a:extLst>
+              <a:ext uri="{FF2B5EF4-FFF2-40B4-BE49-F238E27FC236}">
+                <a16:creationId xmlns:a16="http://schemas.microsoft.com/office/drawing/2014/main" id="{D7CB1B21-318F-4695-9C39-0F505BEA8E98}"/>
+              </a:ext>
+            </a:extLst>
+          </p:cNvPr>
+          <p:cNvSpPr txBox="1">
+            <a:spLocks/>
+          </p:cNvSpPr>
+          <p:nvPr/>
+        </p:nvSpPr>
+        <p:spPr>
+          <a:xfrm>
+            <a:off x="2998095" y="1232536"/>
+            <a:ext cx="6028459" cy="889880"/>
+          </a:xfrm>
+          <a:prstGeom prst="rect">
+            <a:avLst/>
+          </a:prstGeom>
+        </p:spPr>
+        <p:txBody>
+          <a:bodyPr vert="horz" lIns="91440" tIns="45720" rIns="91440" bIns="45720" rtlCol="0" anchor="ctr">
+            <a:normAutofit fontScale="70000" lnSpcReduction="20000"/>
+          </a:bodyPr>
+          <a:lstStyle>
+            <a:lvl1pPr algn="l" defTabSz="914400" rtl="0" eaLnBrk="1" latinLnBrk="0" hangingPunct="1">
+              <a:lnSpc>
+                <a:spcPct val="90000"/>
+              </a:lnSpc>
+              <a:spcBef>
+                <a:spcPct val="0"/>
+              </a:spcBef>
+              <a:buNone/>
+              <a:defRPr sz="4400" kern="1200">
+                <a:solidFill>
+                  <a:schemeClr val="tx1"/>
+                </a:solidFill>
+                <a:latin typeface="+mj-lt"/>
+                <a:ea typeface="+mj-ea"/>
+                <a:cs typeface="+mj-cs"/>
+              </a:defRPr>
+            </a:lvl1pPr>
+          </a:lstStyle>
+          <a:p>
+            <a:pPr algn="ctr"/>
+            <a:r>
+              <a:rPr lang="pt-BR" sz="8800" dirty="0">
+                <a:solidFill>
+                  <a:schemeClr val="accent5">
+                    <a:lumMod val="75000"/>
+                  </a:schemeClr>
+                </a:solidFill>
+                <a:latin typeface="Arial Rounded MT Bold" panose="020F0704030504030204" pitchFamily="34" charset="0"/>
+                <a:cs typeface="Arial" panose="020B0604020202020204" pitchFamily="34" charset="0"/>
+              </a:rPr>
+              <a:t>em atualização</a:t>
+            </a:r>
           </a:p>
         </p:txBody>
       </p:sp>
     </p:spTree>
     <p:extLst>
       <p:ext uri="{BB962C8B-B14F-4D97-AF65-F5344CB8AC3E}">
-        <p14:creationId xmlns:p14="http://schemas.microsoft.com/office/powerpoint/2010/main" val="2706484004"/>
+        <p14:creationId xmlns:p14="http://schemas.microsoft.com/office/powerpoint/2010/main" val="1151298311"/>
       </p:ext>
     </p:extLst>
   </p:cSld>
   <p:clrMapOvr>
     <a:masterClrMapping/>
   </p:clrMapOvr>
-  <mc:AlternateContent xmlns:mc="http://schemas.openxmlformats.org/markup-compatibility/2006" xmlns:p14="http://schemas.microsoft.com/office/powerpoint/2010/main">
-    <mc:Choice Requires="p14">
-      <p:transition spd="slow" p14:dur="2000" advTm="1000"/>
+  <mc:AlternateContent xmlns:mc="http://schemas.openxmlformats.org/markup-compatibility/2006" xmlns:p15="http://schemas.microsoft.com/office/powerpoint/2012/main">
+    <mc:Choice Requires="p15">
+      <p:transition xmlns:p14="http://schemas.microsoft.com/office/powerpoint/2010/main" spd="slow" p14:dur="5000" advTm="3000">
+        <p15:prstTrans prst="origami"/>
+      </p:transition>
     </mc:Choice>
     <mc:Fallback xmlns="">
-      <p:transition spd="slow" advTm="1000"/>
+      <p:transition spd="slow" advTm="3000">
+        <p:fade/>
+      </p:transition>
     </mc:Fallback>
   </mc:AlternateContent>
 </p:sld>
@@ -3576,20 +3686,20 @@
     </p:spTree>
     <p:extLst>
       <p:ext uri="{BB962C8B-B14F-4D97-AF65-F5344CB8AC3E}">
-        <p14:creationId xmlns:p14="http://schemas.microsoft.com/office/powerpoint/2010/main" val="1151298311"/>
+        <p14:creationId xmlns:p14="http://schemas.microsoft.com/office/powerpoint/2010/main" val="3552174218"/>
       </p:ext>
     </p:extLst>
   </p:cSld>
   <p:clrMapOvr>
     <a:masterClrMapping/>
   </p:clrMapOvr>
-  <mc:AlternateContent xmlns:mc="http://schemas.openxmlformats.org/markup-compatibility/2006" xmlns:p15="http://schemas.microsoft.com/office/powerpoint/2012/main">
-    <mc:Choice Requires="p15">
+  <mc:AlternateContent xmlns:mc="http://schemas.openxmlformats.org/markup-compatibility/2006">
+    <mc:Choice xmlns:p15="http://schemas.microsoft.com/office/powerpoint/2012/main" Requires="p15">
       <p:transition xmlns:p14="http://schemas.microsoft.com/office/powerpoint/2010/main" spd="slow" p14:dur="5000" advTm="3000">
         <p15:prstTrans prst="origami"/>
       </p:transition>
     </mc:Choice>
-    <mc:Fallback xmlns="">
+    <mc:Fallback>
       <p:transition spd="slow" advTm="3000">
         <p:fade/>
       </p:transition>
@@ -3599,6 +3709,219 @@
 </file>
 
 <file path=ppt/slides/slide3.xml><?xml version="1.0" encoding="utf-8"?>
+<p:sld xmlns:a="http://schemas.openxmlformats.org/drawingml/2006/main" xmlns:r="http://schemas.openxmlformats.org/officeDocument/2006/relationships" xmlns:p="http://schemas.openxmlformats.org/presentationml/2006/main">
+  <p:cSld>
+    <p:bg>
+      <p:bgPr>
+        <a:solidFill>
+          <a:srgbClr val="002060"/>
+        </a:solidFill>
+        <a:effectLst/>
+      </p:bgPr>
+    </p:bg>
+    <p:spTree>
+      <p:nvGrpSpPr>
+        <p:cNvPr id="1" name=""/>
+        <p:cNvGrpSpPr/>
+        <p:nvPr/>
+      </p:nvGrpSpPr>
+      <p:grpSpPr>
+        <a:xfrm>
+          <a:off x="0" y="0"/>
+          <a:ext cx="0" cy="0"/>
+          <a:chOff x="0" y="0"/>
+          <a:chExt cx="0" cy="0"/>
+        </a:xfrm>
+      </p:grpSpPr>
+      <p:sp>
+        <p:nvSpPr>
+          <p:cNvPr id="2" name="Título 1">
+            <a:extLst>
+              <a:ext uri="{FF2B5EF4-FFF2-40B4-BE49-F238E27FC236}">
+                <a16:creationId xmlns:a16="http://schemas.microsoft.com/office/drawing/2014/main" id="{67795BDD-ECE6-4B0E-9620-746E27F16C29}"/>
+              </a:ext>
+            </a:extLst>
+          </p:cNvPr>
+          <p:cNvSpPr>
+            <a:spLocks noGrp="1"/>
+          </p:cNvSpPr>
+          <p:nvPr>
+            <p:ph type="title"/>
+          </p:nvPr>
+        </p:nvSpPr>
+        <p:spPr>
+          <a:xfrm>
+            <a:off x="3600704" y="2570584"/>
+            <a:ext cx="4869937" cy="1325563"/>
+          </a:xfrm>
+        </p:spPr>
+        <p:txBody>
+          <a:bodyPr>
+            <a:normAutofit/>
+          </a:bodyPr>
+          <a:lstStyle/>
+          <a:p>
+            <a:pPr algn="ctr"/>
+            <a:r>
+              <a:rPr lang="pt-BR" sz="8800" dirty="0">
+                <a:solidFill>
+                  <a:schemeClr val="bg1">
+                    <a:lumMod val="85000"/>
+                  </a:schemeClr>
+                </a:solidFill>
+                <a:latin typeface="Handel Gothic" pitchFamily="50" charset="0"/>
+                <a:cs typeface="Arial" panose="020B0604020202020204" pitchFamily="34" charset="0"/>
+              </a:rPr>
+              <a:t>BRAPCI</a:t>
+            </a:r>
+          </a:p>
+        </p:txBody>
+      </p:sp>
+      <p:sp>
+        <p:nvSpPr>
+          <p:cNvPr id="4" name="CaixaDeTexto 3">
+            <a:extLst>
+              <a:ext uri="{FF2B5EF4-FFF2-40B4-BE49-F238E27FC236}">
+                <a16:creationId xmlns:a16="http://schemas.microsoft.com/office/drawing/2014/main" id="{E79FB2BD-2080-4D15-95D7-D6536ECA02CF}"/>
+              </a:ext>
+            </a:extLst>
+          </p:cNvPr>
+          <p:cNvSpPr txBox="1"/>
+          <p:nvPr/>
+        </p:nvSpPr>
+        <p:spPr>
+          <a:xfrm>
+            <a:off x="3889162" y="3585948"/>
+            <a:ext cx="4293020" cy="369332"/>
+          </a:xfrm>
+          <a:prstGeom prst="rect">
+            <a:avLst/>
+          </a:prstGeom>
+          <a:noFill/>
+        </p:spPr>
+        <p:txBody>
+          <a:bodyPr wrap="square" rtlCol="0">
+            <a:spAutoFit/>
+          </a:bodyPr>
+          <a:lstStyle/>
+          <a:p>
+            <a:pPr algn="ctr"/>
+            <a:r>
+              <a:rPr lang="pt-BR" dirty="0">
+                <a:solidFill>
+                  <a:schemeClr val="bg1">
+                    <a:lumMod val="75000"/>
+                  </a:schemeClr>
+                </a:solidFill>
+                <a:latin typeface="Segoe UI Light" panose="020B0502040204020203" pitchFamily="34" charset="0"/>
+                <a:cs typeface="Segoe UI Light" panose="020B0502040204020203" pitchFamily="34" charset="0"/>
+              </a:rPr>
+              <a:t>Base de dados em Ciência da Informação</a:t>
+            </a:r>
+          </a:p>
+        </p:txBody>
+      </p:sp>
+      <p:sp>
+        <p:nvSpPr>
+          <p:cNvPr id="5" name="Título 1">
+            <a:extLst>
+              <a:ext uri="{FF2B5EF4-FFF2-40B4-BE49-F238E27FC236}">
+                <a16:creationId xmlns:a16="http://schemas.microsoft.com/office/drawing/2014/main" id="{D7CB1B21-318F-4695-9C39-0F505BEA8E98}"/>
+              </a:ext>
+            </a:extLst>
+          </p:cNvPr>
+          <p:cNvSpPr txBox="1">
+            <a:spLocks/>
+          </p:cNvSpPr>
+          <p:nvPr/>
+        </p:nvSpPr>
+        <p:spPr>
+          <a:xfrm>
+            <a:off x="0" y="209079"/>
+            <a:ext cx="6028459" cy="889880"/>
+          </a:xfrm>
+          <a:prstGeom prst="rect">
+            <a:avLst/>
+          </a:prstGeom>
+        </p:spPr>
+        <p:txBody>
+          <a:bodyPr vert="horz" lIns="91440" tIns="45720" rIns="91440" bIns="45720" rtlCol="0" anchor="ctr">
+            <a:normAutofit lnSpcReduction="10000"/>
+          </a:bodyPr>
+          <a:lstStyle>
+            <a:lvl1pPr algn="l" defTabSz="914400" rtl="0" eaLnBrk="1" latinLnBrk="0" hangingPunct="1">
+              <a:lnSpc>
+                <a:spcPct val="90000"/>
+              </a:lnSpc>
+              <a:spcBef>
+                <a:spcPct val="0"/>
+              </a:spcBef>
+              <a:buNone/>
+              <a:defRPr sz="4400" kern="1200">
+                <a:solidFill>
+                  <a:schemeClr val="tx1"/>
+                </a:solidFill>
+                <a:latin typeface="+mj-lt"/>
+                <a:ea typeface="+mj-ea"/>
+                <a:cs typeface="+mj-cs"/>
+              </a:defRPr>
+            </a:lvl1pPr>
+          </a:lstStyle>
+          <a:p>
+            <a:pPr algn="ctr"/>
+            <a:r>
+              <a:rPr lang="pt-BR" sz="2000" dirty="0">
+                <a:solidFill>
+                  <a:schemeClr val="accent5">
+                    <a:lumMod val="75000"/>
+                  </a:schemeClr>
+                </a:solidFill>
+                <a:latin typeface="Dosis Light" pitchFamily="2" charset="0"/>
+                <a:cs typeface="Arial" panose="020B0604020202020204" pitchFamily="34" charset="0"/>
+              </a:rPr>
+              <a:t>SERIE</a:t>
+            </a:r>
+            <a:r>
+              <a:rPr lang="pt-BR" sz="6000" dirty="0">
+                <a:solidFill>
+                  <a:schemeClr val="accent5">
+                    <a:lumMod val="75000"/>
+                  </a:schemeClr>
+                </a:solidFill>
+                <a:latin typeface="Dosis Light" pitchFamily="2" charset="0"/>
+                <a:cs typeface="Arial" panose="020B0604020202020204" pitchFamily="34" charset="0"/>
+              </a:rPr>
+              <a:t>: Capacitação</a:t>
+            </a:r>
+          </a:p>
+        </p:txBody>
+      </p:sp>
+    </p:spTree>
+    <p:extLst>
+      <p:ext uri="{BB962C8B-B14F-4D97-AF65-F5344CB8AC3E}">
+        <p14:creationId xmlns:p14="http://schemas.microsoft.com/office/powerpoint/2010/main" val="3060100369"/>
+      </p:ext>
+    </p:extLst>
+  </p:cSld>
+  <p:clrMapOvr>
+    <a:masterClrMapping/>
+  </p:clrMapOvr>
+  <mc:AlternateContent xmlns:mc="http://schemas.openxmlformats.org/markup-compatibility/2006">
+    <mc:Choice xmlns:p15="http://schemas.microsoft.com/office/powerpoint/2012/main" Requires="p15">
+      <p:transition xmlns:p14="http://schemas.microsoft.com/office/powerpoint/2010/main" spd="slow" p14:dur="5000" advTm="3000">
+        <p15:prstTrans prst="origami"/>
+      </p:transition>
+    </mc:Choice>
+    <mc:Fallback>
+      <p:transition spd="slow" advTm="3000">
+        <p:fade/>
+      </p:transition>
+    </mc:Fallback>
+  </mc:AlternateContent>
+</p:sld>
+</file>
+
+<file path=ppt/slides/slide4.xml><?xml version="1.0" encoding="utf-8"?>
 <p:sld xmlns:a="http://schemas.openxmlformats.org/drawingml/2006/main" xmlns:r="http://schemas.openxmlformats.org/officeDocument/2006/relationships" xmlns:p="http://schemas.openxmlformats.org/presentationml/2006/main">
   <p:cSld>
     <p:bg>
@@ -3793,7 +4116,7 @@
 </p:sld>
 </file>
 
-<file path=ppt/slides/slide4.xml><?xml version="1.0" encoding="utf-8"?>
+<file path=ppt/slides/slide5.xml><?xml version="1.0" encoding="utf-8"?>
 <p:sld xmlns:a="http://schemas.openxmlformats.org/drawingml/2006/main" xmlns:r="http://schemas.openxmlformats.org/officeDocument/2006/relationships" xmlns:p="http://schemas.openxmlformats.org/presentationml/2006/main">
   <p:cSld>
     <p:bg>
@@ -3843,7 +4166,7 @@
 </p:sld>
 </file>
 
-<file path=ppt/slides/slide5.xml><?xml version="1.0" encoding="utf-8"?>
+<file path=ppt/slides/slide6.xml><?xml version="1.0" encoding="utf-8"?>
 <p:sld xmlns:a="http://schemas.openxmlformats.org/drawingml/2006/main" xmlns:r="http://schemas.openxmlformats.org/officeDocument/2006/relationships" xmlns:p="http://schemas.openxmlformats.org/presentationml/2006/main">
   <p:cSld>
     <p:spTree>
